--- a/01_doc/SmaQ_リーンキャンバス.pptx
+++ b/01_doc/SmaQ_リーンキャンバス.pptx
@@ -5,11 +5,12 @@
     <p:sldMasterId id="2147483654" r:id="rId1"/>
   </p:sldMasterIdLst>
   <p:notesMasterIdLst>
-    <p:notesMasterId r:id="rId4"/>
+    <p:notesMasterId r:id="rId5"/>
   </p:notesMasterIdLst>
   <p:sldIdLst>
-    <p:sldId id="256" r:id="rId2"/>
-    <p:sldId id="257" r:id="rId3"/>
+    <p:sldId id="257" r:id="rId2"/>
+    <p:sldId id="258" r:id="rId3"/>
+    <p:sldId id="256" r:id="rId4"/>
   </p:sldIdLst>
   <p:sldSz cx="9144000" cy="6858000" type="screen4x3"/>
   <p:notesSz cx="6858000" cy="9144000"/>
@@ -604,14 +605,14 @@
               </a:spcBef>
               <a:buNone/>
             </a:pPr>
-            <a:endParaRPr/>
+            <a:endParaRPr dirty="0"/>
           </a:p>
         </p:txBody>
       </p:sp>
     </p:spTree>
     <p:extLst>
       <p:ext uri="{BB962C8B-B14F-4D97-AF65-F5344CB8AC3E}">
-        <p14:creationId xmlns:p14="http://schemas.microsoft.com/office/powerpoint/2010/main" val="13030082"/>
+        <p14:creationId xmlns:p14="http://schemas.microsoft.com/office/powerpoint/2010/main" val="11028256"/>
       </p:ext>
     </p:extLst>
   </p:cSld>
@@ -720,14 +721,14 @@
               </a:spcBef>
               <a:buNone/>
             </a:pPr>
-            <a:endParaRPr dirty="0"/>
+            <a:endParaRPr/>
           </a:p>
         </p:txBody>
       </p:sp>
     </p:spTree>
     <p:extLst>
       <p:ext uri="{BB962C8B-B14F-4D97-AF65-F5344CB8AC3E}">
-        <p14:creationId xmlns:p14="http://schemas.microsoft.com/office/powerpoint/2010/main" val="11028256"/>
+        <p14:creationId xmlns:p14="http://schemas.microsoft.com/office/powerpoint/2010/main" val="13030082"/>
       </p:ext>
     </p:extLst>
   </p:cSld>
@@ -3474,11 +3475,7 @@
             </a:pPr>
             <a:r>
               <a:rPr lang="ja-JP" altLang="en-US" sz="1000" dirty="0" smtClean="0"/>
-              <a:t>・人前</a:t>
-            </a:r>
-            <a:r>
-              <a:rPr lang="ja-JP" altLang="en-US" sz="1000" dirty="0" smtClean="0"/>
-              <a:t>で話すことが苦手な人が</a:t>
+              <a:t>・人前で話すことが苦手な人が</a:t>
             </a:r>
             <a:r>
               <a:rPr lang="en-US" altLang="ja-JP" sz="1000" dirty="0" smtClean="0"/>
@@ -3618,7 +3615,19 @@
             </a:r>
             <a:r>
               <a:rPr lang="ja-JP" altLang="en-US" sz="1000" dirty="0" smtClean="0"/>
-              <a:t>表示、景品紹介機能</a:t>
+              <a:t>表示</a:t>
+            </a:r>
+            <a:endParaRPr lang="en-US" altLang="ja-JP" sz="1000" dirty="0" smtClean="0"/>
+          </a:p>
+          <a:p>
+            <a:pPr lvl="0"/>
+            <a:r>
+              <a:rPr lang="ja-JP" altLang="en-US" sz="1000" dirty="0"/>
+              <a:t>・</a:t>
+            </a:r>
+            <a:r>
+              <a:rPr lang="ja-JP" altLang="en-US" sz="1000" dirty="0" smtClean="0"/>
+              <a:t>景品紹介機能</a:t>
             </a:r>
             <a:endParaRPr lang="en-US" altLang="ja-JP" sz="1000" dirty="0"/>
           </a:p>
@@ -3744,15 +3753,6 @@
               </a:spcBef>
               <a:buNone/>
             </a:pPr>
-            <a:endParaRPr sz="1000" dirty="0"/>
-          </a:p>
-          <a:p>
-            <a:pPr lvl="0" rtl="0">
-              <a:spcBef>
-                <a:spcPts val="0"/>
-              </a:spcBef>
-              <a:buNone/>
-            </a:pPr>
             <a:r>
               <a:rPr lang="ja-JP" altLang="en-US" sz="1000" dirty="0" smtClean="0"/>
               <a:t>・趣味</a:t>
@@ -3774,7 +3774,7 @@
               </a:spcBef>
               <a:buNone/>
             </a:pPr>
-            <a:endParaRPr sz="1000" dirty="0"/>
+            <a:endParaRPr lang="en-US" sz="1000" dirty="0"/>
           </a:p>
           <a:p>
             <a:pPr lvl="0" rtl="0">
@@ -3929,41 +3929,6 @@
             </a:r>
             <a:endParaRPr lang="en-US" altLang="ja-JP" sz="1000" dirty="0" smtClean="0"/>
           </a:p>
-          <a:p>
-            <a:pPr lvl="0" rtl="0">
-              <a:spcBef>
-                <a:spcPts val="0"/>
-              </a:spcBef>
-              <a:buNone/>
-            </a:pPr>
-            <a:endParaRPr lang="en-US" altLang="ja-JP" sz="1000" dirty="0"/>
-          </a:p>
-          <a:p>
-            <a:pPr lvl="0" rtl="0">
-              <a:spcBef>
-                <a:spcPts val="0"/>
-              </a:spcBef>
-              <a:buNone/>
-            </a:pPr>
-            <a:r>
-              <a:rPr lang="ja-JP" altLang="en-US" sz="800" dirty="0" smtClean="0"/>
-              <a:t>→プレゼン後追記</a:t>
-            </a:r>
-            <a:endParaRPr lang="en-US" altLang="ja-JP" sz="800" dirty="0" smtClean="0"/>
-          </a:p>
-          <a:p>
-            <a:pPr lvl="0" rtl="0">
-              <a:spcBef>
-                <a:spcPts val="0"/>
-              </a:spcBef>
-              <a:buNone/>
-            </a:pPr>
-            <a:r>
-              <a:rPr lang="ja-JP" altLang="en-US" sz="800" dirty="0" smtClean="0"/>
-              <a:t>無料ユーザーはコンテンツを公開されて、有料ユーザーは非公開にすればコンテンツが集まって差別化できる？</a:t>
-            </a:r>
-            <a:endParaRPr lang="en-US" altLang="ja-JP" sz="800" dirty="0" smtClean="0"/>
-          </a:p>
         </p:txBody>
       </p:sp>
       <p:sp>
@@ -4015,36 +3980,19 @@
               </a:spcBef>
               <a:buNone/>
             </a:pPr>
-            <a:endParaRPr sz="1000" dirty="0"/>
-          </a:p>
-          <a:p>
-            <a:pPr lvl="0" rtl="0">
-              <a:spcBef>
-                <a:spcPts val="0"/>
-              </a:spcBef>
-              <a:buNone/>
-            </a:pPr>
-            <a:r>
-              <a:rPr lang="ja-JP" altLang="en-US" sz="1000" dirty="0" smtClean="0"/>
-              <a:t>時間がなくて</a:t>
-            </a:r>
-            <a:r>
-              <a:rPr lang="ja-JP" altLang="en-US" sz="1000" dirty="0"/>
-              <a:t>、</a:t>
-            </a:r>
-            <a:r>
-              <a:rPr lang="ja-JP" altLang="en-US" sz="1000" dirty="0" smtClean="0"/>
-              <a:t>催し物に困っているイベントの幹事</a:t>
-            </a:r>
-            <a:endParaRPr sz="1000" dirty="0"/>
-          </a:p>
-          <a:p>
-            <a:pPr lvl="0" rtl="0">
-              <a:spcBef>
-                <a:spcPts val="0"/>
-              </a:spcBef>
-              <a:buNone/>
-            </a:pPr>
+            <a:endParaRPr lang="en-US" altLang="ja-JP" sz="1000" dirty="0"/>
+          </a:p>
+          <a:p>
+            <a:pPr lvl="0" rtl="0">
+              <a:spcBef>
+                <a:spcPts val="0"/>
+              </a:spcBef>
+              <a:buNone/>
+            </a:pPr>
+            <a:r>
+              <a:rPr lang="ja-JP" altLang="en-US" sz="1000" dirty="0" smtClean="0"/>
+              <a:t>いつもと違った催し物をする必要がある幹事</a:t>
+            </a:r>
             <a:endParaRPr sz="1000" dirty="0"/>
           </a:p>
           <a:p>
@@ -4158,16 +4106,12 @@
             </a:pPr>
             <a:r>
               <a:rPr lang="ja" sz="1000" dirty="0"/>
-              <a:t>6.収入の流れ</a:t>
-            </a:r>
-          </a:p>
-          <a:p>
-            <a:pPr lvl="0" rtl="0">
-              <a:spcBef>
-                <a:spcPts val="0"/>
-              </a:spcBef>
-              <a:buNone/>
-            </a:pPr>
+              <a:t>6.収入の</a:t>
+            </a:r>
+            <a:r>
+              <a:rPr lang="ja" sz="1000" dirty="0" smtClean="0"/>
+              <a:t>流れ</a:t>
+            </a:r>
             <a:endParaRPr lang="en-US" sz="1000" dirty="0" smtClean="0"/>
           </a:p>
           <a:p>
@@ -4208,15 +4152,130 @@
             </a:pPr>
             <a:r>
               <a:rPr lang="ja-JP" altLang="en-US" sz="1000" dirty="0" smtClean="0"/>
-              <a:t>・テキスト問題</a:t>
+              <a:t>・問題作成</a:t>
+            </a:r>
+            <a:endParaRPr lang="en-US" altLang="ja-JP" sz="1000" dirty="0"/>
+          </a:p>
+          <a:p>
+            <a:pPr lvl="0"/>
+            <a:r>
+              <a:rPr lang="ja-JP" altLang="en-US" sz="1000" dirty="0"/>
+              <a:t>・各問題ごとの回答時間ランキング</a:t>
+            </a:r>
+            <a:endParaRPr lang="en-US" altLang="ja" sz="1000" dirty="0"/>
+          </a:p>
+          <a:p>
+            <a:pPr lvl="0"/>
+            <a:r>
+              <a:rPr lang="ja-JP" altLang="en-US" sz="1000" dirty="0"/>
+              <a:t>・チーム分け機能</a:t>
+            </a:r>
+            <a:endParaRPr lang="en-US" altLang="ja-JP" sz="1000" dirty="0"/>
+          </a:p>
+          <a:p>
+            <a:pPr lvl="0"/>
+            <a:r>
+              <a:rPr lang="ja-JP" altLang="en-US" sz="1000" dirty="0"/>
+              <a:t>・デザイン機能</a:t>
+            </a:r>
+            <a:endParaRPr lang="ja" altLang="ja-JP" sz="1000" dirty="0"/>
+          </a:p>
+          <a:p>
+            <a:pPr lvl="0" rtl="0">
+              <a:spcBef>
+                <a:spcPts val="0"/>
+              </a:spcBef>
+              <a:buNone/>
+            </a:pPr>
+            <a:endParaRPr lang="en-US" altLang="ja" sz="1000" dirty="0" smtClean="0"/>
+          </a:p>
+          <a:p>
+            <a:pPr lvl="0" rtl="0">
+              <a:spcBef>
+                <a:spcPts val="0"/>
+              </a:spcBef>
+              <a:buNone/>
+            </a:pPr>
+            <a:r>
+              <a:rPr lang="ja-JP" altLang="en-US" sz="1000" dirty="0" smtClean="0"/>
+              <a:t>◆プレゼン</a:t>
             </a:r>
             <a:r>
               <a:rPr lang="en-US" altLang="ja-JP" sz="1000" dirty="0" smtClean="0"/>
-              <a:t>(3</a:t>
-            </a:r>
-            <a:r>
-              <a:rPr lang="ja-JP" altLang="en-US" sz="1000" dirty="0" smtClean="0"/>
-              <a:t>問まで</a:t>
+              <a:t>1</a:t>
+            </a:r>
+            <a:r>
+              <a:rPr lang="ja-JP" altLang="en-US" sz="1000" dirty="0" smtClean="0"/>
+              <a:t>回</a:t>
+            </a:r>
+            <a:r>
+              <a:rPr lang="en-US" altLang="ja-JP" sz="1000" dirty="0" smtClean="0"/>
+              <a:t>(3h)</a:t>
+            </a:r>
+            <a:r>
+              <a:rPr lang="ja-JP" altLang="en-US" sz="1000" dirty="0" smtClean="0"/>
+              <a:t>につき</a:t>
+            </a:r>
+            <a:r>
+              <a:rPr lang="en-US" altLang="ja-JP" sz="1000" b="1" dirty="0" smtClean="0"/>
+              <a:t>[</a:t>
+            </a:r>
+            <a:r>
+              <a:rPr lang="ja-JP" altLang="en-US" sz="1000" b="1" dirty="0" smtClean="0"/>
+              <a:t>有料</a:t>
+            </a:r>
+            <a:r>
+              <a:rPr lang="en-US" altLang="ja-JP" sz="1000" b="1" dirty="0" smtClean="0"/>
+              <a:t>]\10,000</a:t>
+            </a:r>
+          </a:p>
+          <a:p>
+            <a:pPr lvl="0"/>
+            <a:r>
+              <a:rPr lang="ja-JP" altLang="en-US" sz="1000" dirty="0"/>
+              <a:t>・</a:t>
+            </a:r>
+            <a:r>
+              <a:rPr lang="ja-JP" altLang="en-US" sz="1000" dirty="0" smtClean="0"/>
+              <a:t>集計、回答、最終ランキング</a:t>
+            </a:r>
+            <a:endParaRPr lang="en-US" altLang="ja-JP" sz="1000" b="1" dirty="0" smtClean="0"/>
+          </a:p>
+          <a:p>
+            <a:pPr lvl="0" rtl="0">
+              <a:spcBef>
+                <a:spcPts val="0"/>
+              </a:spcBef>
+              <a:buNone/>
+            </a:pPr>
+            <a:endParaRPr lang="en-US" altLang="ja-JP" sz="1000" b="1" dirty="0" smtClean="0"/>
+          </a:p>
+          <a:p>
+            <a:pPr lvl="0" rtl="0">
+              <a:spcBef>
+                <a:spcPts val="0"/>
+              </a:spcBef>
+              <a:buNone/>
+            </a:pPr>
+            <a:r>
+              <a:rPr lang="ja-JP" altLang="en-US" sz="1000" dirty="0" smtClean="0"/>
+              <a:t>年間婚姻組数</a:t>
+            </a:r>
+            <a:r>
+              <a:rPr lang="en-US" altLang="ja-JP" sz="1000" dirty="0" smtClean="0"/>
+              <a:t>650,000</a:t>
+            </a:r>
+            <a:r>
+              <a:rPr lang="ja-JP" altLang="en-US" sz="1000" dirty="0" smtClean="0"/>
+              <a:t>組 </a:t>
+            </a:r>
+            <a:r>
+              <a:rPr lang="en-US" altLang="ja-JP" sz="1000" dirty="0" smtClean="0"/>
+              <a:t>x 60% = 390,000(</a:t>
+            </a:r>
+            <a:r>
+              <a:rPr lang="ja-JP" altLang="en-US" sz="1000" dirty="0" smtClean="0"/>
+              <a:t>結婚式をする組数</a:t>
             </a:r>
             <a:r>
               <a:rPr lang="en-US" altLang="ja-JP" sz="1000" dirty="0" smtClean="0"/>
@@ -4231,96 +4290,20 @@
               <a:buNone/>
             </a:pPr>
             <a:r>
-              <a:rPr lang="ja-JP" altLang="en-US" sz="1000" dirty="0" smtClean="0"/>
-              <a:t>・集計</a:t>
-            </a:r>
-            <a:endParaRPr lang="en-US" altLang="ja-JP" sz="1000" dirty="0" smtClean="0"/>
-          </a:p>
-          <a:p>
-            <a:pPr lvl="0" rtl="0">
-              <a:spcBef>
-                <a:spcPts val="0"/>
-              </a:spcBef>
-              <a:buNone/>
-            </a:pPr>
-            <a:r>
-              <a:rPr lang="ja-JP" altLang="en-US" sz="1000" dirty="0" smtClean="0"/>
-              <a:t>・回答</a:t>
-            </a:r>
-            <a:endParaRPr lang="en-US" altLang="ja-JP" sz="1000" dirty="0" smtClean="0"/>
-          </a:p>
-          <a:p>
-            <a:pPr lvl="0" rtl="0">
-              <a:spcBef>
-                <a:spcPts val="0"/>
-              </a:spcBef>
-              <a:buNone/>
-            </a:pPr>
-            <a:r>
-              <a:rPr lang="ja-JP" altLang="en-US" sz="1000" dirty="0" smtClean="0"/>
-              <a:t>・最終ランキング</a:t>
-            </a:r>
-            <a:endParaRPr lang="en-US" altLang="ja-JP" sz="1000" dirty="0" smtClean="0"/>
-          </a:p>
-          <a:p>
-            <a:pPr lvl="0" rtl="0">
-              <a:spcBef>
-                <a:spcPts val="0"/>
-              </a:spcBef>
-              <a:buNone/>
-            </a:pPr>
-            <a:endParaRPr lang="en-US" altLang="ja" sz="1000" dirty="0" smtClean="0"/>
-          </a:p>
-          <a:p>
-            <a:pPr lvl="0" rtl="0">
-              <a:spcBef>
-                <a:spcPts val="0"/>
-              </a:spcBef>
-              <a:buNone/>
-            </a:pPr>
-            <a:r>
-              <a:rPr lang="ja-JP" altLang="en-US" sz="1000" dirty="0" smtClean="0"/>
-              <a:t>◆拡張機能</a:t>
-            </a:r>
-            <a:r>
-              <a:rPr lang="en-US" altLang="ja-JP" sz="1000" b="1" dirty="0" smtClean="0"/>
-              <a:t>[</a:t>
-            </a:r>
-            <a:r>
-              <a:rPr lang="ja-JP" altLang="en-US" sz="1000" b="1" dirty="0" smtClean="0"/>
-              <a:t>有料</a:t>
-            </a:r>
-            <a:r>
-              <a:rPr lang="en-US" altLang="ja-JP" sz="1000" b="1" dirty="0" smtClean="0"/>
-              <a:t>](</a:t>
-            </a:r>
-            <a:r>
-              <a:rPr lang="ja-JP" altLang="en-US" sz="1000" b="1" dirty="0" smtClean="0"/>
-              <a:t>イベント</a:t>
-            </a:r>
-            <a:r>
-              <a:rPr lang="en-US" altLang="ja-JP" sz="1000" b="1" dirty="0" smtClean="0"/>
-              <a:t>1</a:t>
-            </a:r>
-            <a:r>
-              <a:rPr lang="ja-JP" altLang="en-US" sz="1000" b="1" dirty="0" smtClean="0"/>
-              <a:t>回につき課金</a:t>
-            </a:r>
-            <a:r>
-              <a:rPr lang="en-US" altLang="ja-JP" sz="1000" b="1" dirty="0" smtClean="0"/>
-              <a:t>)</a:t>
-            </a:r>
-          </a:p>
-          <a:p>
-            <a:pPr lvl="0" rtl="0">
-              <a:spcBef>
-                <a:spcPts val="0"/>
-              </a:spcBef>
-              <a:buNone/>
-            </a:pPr>
-            <a:r>
-              <a:rPr lang="ja-JP" altLang="en-US" sz="1000" dirty="0" smtClean="0"/>
-              <a:t>・画像</a:t>
+              <a:rPr lang="en-US" altLang="ja-JP" sz="1000" dirty="0" smtClean="0"/>
+              <a:t>390,000 x 0.1% = 390</a:t>
+            </a:r>
+            <a:r>
+              <a:rPr lang="ja-JP" altLang="en-US" sz="1000" dirty="0" smtClean="0"/>
+              <a:t>組が使用する　→</a:t>
+            </a:r>
+            <a:r>
+              <a:rPr lang="en-US" altLang="ja-JP" sz="1000" dirty="0" smtClean="0"/>
+              <a:t>390</a:t>
+            </a:r>
+            <a:r>
+              <a:rPr lang="ja-JP" altLang="en-US" sz="1000" dirty="0" smtClean="0"/>
+              <a:t>万</a:t>
             </a:r>
             <a:r>
               <a:rPr lang="en-US" altLang="ja-JP" sz="1000" dirty="0" smtClean="0"/>
@@ -4328,7 +4311,7 @@
             </a:r>
             <a:r>
               <a:rPr lang="ja-JP" altLang="en-US" sz="1000" dirty="0" smtClean="0"/>
-              <a:t>動画問題</a:t>
+              <a:t>年</a:t>
             </a:r>
             <a:endParaRPr lang="en-US" altLang="ja-JP" sz="1000" dirty="0" smtClean="0"/>
           </a:p>
@@ -4341,20 +4324,7 @@
             </a:pPr>
             <a:r>
               <a:rPr lang="ja-JP" altLang="en-US" sz="1000" dirty="0" smtClean="0"/>
-              <a:t>・各問題ごとの回答時間ランキング</a:t>
-            </a:r>
-            <a:endParaRPr lang="en-US" altLang="ja" sz="1000" dirty="0"/>
-          </a:p>
-          <a:p>
-            <a:pPr lvl="0" rtl="0">
-              <a:spcBef>
-                <a:spcPts val="0"/>
-              </a:spcBef>
-              <a:buNone/>
-            </a:pPr>
-            <a:r>
-              <a:rPr lang="ja-JP" altLang="en-US" sz="1000" dirty="0" smtClean="0"/>
-              <a:t>・チーム分け機能</a:t>
+              <a:t>＋忘年会等のイベントでの使用</a:t>
             </a:r>
             <a:endParaRPr lang="en-US" altLang="ja-JP" sz="1000" dirty="0" smtClean="0"/>
           </a:p>
@@ -4365,58 +4335,39 @@
               </a:spcBef>
               <a:buNone/>
             </a:pPr>
-            <a:r>
-              <a:rPr lang="ja-JP" altLang="en-US" sz="1000" dirty="0" smtClean="0"/>
-              <a:t>・デザイン機能</a:t>
-            </a:r>
-            <a:endParaRPr lang="en-US" altLang="ja-JP" sz="1000" dirty="0" smtClean="0"/>
-          </a:p>
-          <a:p>
-            <a:pPr lvl="0" rtl="0">
-              <a:spcBef>
-                <a:spcPts val="0"/>
-              </a:spcBef>
-              <a:buNone/>
-            </a:pPr>
-            <a:endParaRPr lang="en-US" altLang="ja" sz="1000" dirty="0" smtClean="0"/>
-          </a:p>
-          <a:p>
-            <a:pPr lvl="0" rtl="0">
-              <a:spcBef>
-                <a:spcPts val="0"/>
-              </a:spcBef>
-              <a:buNone/>
-            </a:pPr>
-            <a:r>
-              <a:rPr lang="ja-JP" altLang="en-US" sz="1000" dirty="0" smtClean="0"/>
-              <a:t>→プレゼン後追記</a:t>
-            </a:r>
-            <a:r>
-              <a:rPr lang="ja-JP" altLang="en-US" sz="1000" dirty="0"/>
-              <a:t>　</a:t>
+            <a:endParaRPr lang="en-US" altLang="ja-JP" sz="1000" b="1" dirty="0"/>
+          </a:p>
+          <a:p>
+            <a:pPr lvl="0" rtl="0">
+              <a:spcBef>
+                <a:spcPts val="0"/>
+              </a:spcBef>
+              <a:buNone/>
+            </a:pPr>
+            <a:r>
+              <a:rPr lang="ja-JP" altLang="en-US" sz="1000" b="1" dirty="0" smtClean="0"/>
+              <a:t>◆</a:t>
+            </a:r>
+            <a:r>
+              <a:rPr lang="ja-JP" altLang="en-US" sz="1000" dirty="0" smtClean="0"/>
+              <a:t>広告収入</a:t>
             </a:r>
             <a:r>
               <a:rPr lang="en-US" altLang="ja-JP" sz="1000" dirty="0" smtClean="0"/>
-              <a:t>1</a:t>
-            </a:r>
-            <a:r>
-              <a:rPr lang="ja-JP" altLang="en-US" sz="1000" dirty="0" smtClean="0"/>
-              <a:t>回あたり</a:t>
-            </a:r>
-            <a:endParaRPr lang="en-US" altLang="ja-JP" sz="1000" dirty="0" smtClean="0"/>
-          </a:p>
-          <a:p>
-            <a:pPr lvl="0" rtl="0">
-              <a:spcBef>
-                <a:spcPts val="0"/>
-              </a:spcBef>
-              <a:buNone/>
-            </a:pPr>
-            <a:r>
-              <a:rPr lang="ja-JP" altLang="en-US" sz="1000" dirty="0" smtClean="0"/>
-              <a:t>・</a:t>
-            </a:r>
-            <a:endParaRPr lang="ja" sz="1000" dirty="0"/>
+              <a:t>(</a:t>
+            </a:r>
+            <a:r>
+              <a:rPr lang="en-US" altLang="ja-JP" sz="1000" dirty="0" err="1" smtClean="0"/>
+              <a:t>googleads</a:t>
+            </a:r>
+            <a:r>
+              <a:rPr lang="ja-JP" altLang="en-US" sz="1000" dirty="0" smtClean="0"/>
+              <a:t>等</a:t>
+            </a:r>
+            <a:r>
+              <a:rPr lang="en-US" altLang="ja-JP" sz="1000" dirty="0" smtClean="0"/>
+              <a:t>)</a:t>
+            </a:r>
           </a:p>
         </p:txBody>
       </p:sp>
@@ -4458,7 +4409,7 @@
               <a:buNone/>
             </a:pPr>
             <a:r>
-              <a:rPr lang="ja" sz="1000"/>
+              <a:rPr lang="ja" sz="1000" dirty="0"/>
               <a:t>7.コスト構造</a:t>
             </a:r>
           </a:p>
@@ -4469,29 +4420,47 @@
               </a:spcBef>
               <a:buNone/>
             </a:pPr>
-            <a:endParaRPr sz="1000"/>
-          </a:p>
-          <a:p>
-            <a:pPr lvl="0" rtl="0">
-              <a:spcBef>
-                <a:spcPts val="0"/>
-              </a:spcBef>
-              <a:buNone/>
-            </a:pPr>
-            <a:r>
-              <a:rPr lang="ja" sz="1000"/>
-              <a:t>顧客獲得コスト</a:t>
-            </a:r>
-          </a:p>
-          <a:p>
-            <a:pPr lvl="0" rtl="0">
-              <a:spcBef>
-                <a:spcPts val="0"/>
-              </a:spcBef>
-              <a:buNone/>
-            </a:pPr>
-            <a:r>
-              <a:rPr lang="ja" sz="1000"/>
+            <a:endParaRPr sz="1000" dirty="0"/>
+          </a:p>
+          <a:p>
+            <a:pPr lvl="0" rtl="0">
+              <a:spcBef>
+                <a:spcPts val="0"/>
+              </a:spcBef>
+              <a:buNone/>
+            </a:pPr>
+            <a:r>
+              <a:rPr lang="ja" sz="1000" dirty="0"/>
+              <a:t>顧客獲得</a:t>
+            </a:r>
+            <a:r>
+              <a:rPr lang="ja" sz="1000" dirty="0" smtClean="0"/>
+              <a:t>コスト</a:t>
+            </a:r>
+            <a:endParaRPr lang="en-US" altLang="ja" sz="1000" dirty="0" smtClean="0"/>
+          </a:p>
+          <a:p>
+            <a:pPr lvl="0" rtl="0">
+              <a:spcBef>
+                <a:spcPts val="0"/>
+              </a:spcBef>
+              <a:buNone/>
+            </a:pPr>
+            <a:r>
+              <a:rPr lang="ja-JP" altLang="en-US" sz="1000" dirty="0" smtClean="0"/>
+              <a:t>→キャンペーン用の告知費用</a:t>
+            </a:r>
+            <a:endParaRPr lang="ja" sz="1000" dirty="0"/>
+          </a:p>
+          <a:p>
+            <a:pPr lvl="0" rtl="0">
+              <a:spcBef>
+                <a:spcPts val="0"/>
+              </a:spcBef>
+              <a:buNone/>
+            </a:pPr>
+            <a:r>
+              <a:rPr lang="ja" sz="1000" dirty="0"/>
               <a:t>流通コスト</a:t>
             </a:r>
           </a:p>
@@ -4503,21 +4472,110 @@
               <a:buNone/>
             </a:pPr>
             <a:r>
-              <a:rPr lang="ja" sz="1000"/>
+              <a:rPr lang="ja-JP" altLang="en-US" sz="1000" dirty="0" smtClean="0"/>
+              <a:t>→</a:t>
+            </a:r>
+            <a:r>
+              <a:rPr lang="ja-JP" altLang="en-US" sz="1000" dirty="0" err="1" smtClean="0"/>
+              <a:t>無し</a:t>
+            </a:r>
+            <a:endParaRPr lang="en-US" altLang="ja" sz="1000" dirty="0" smtClean="0"/>
+          </a:p>
+          <a:p>
+            <a:pPr lvl="0" rtl="0">
+              <a:spcBef>
+                <a:spcPts val="0"/>
+              </a:spcBef>
+              <a:buNone/>
+            </a:pPr>
+            <a:r>
+              <a:rPr lang="ja" sz="1000" dirty="0" smtClean="0"/>
               <a:t>ホスティングコスト</a:t>
             </a:r>
-          </a:p>
-          <a:p>
-            <a:pPr lvl="0" rtl="0">
-              <a:spcBef>
-                <a:spcPts val="0"/>
-              </a:spcBef>
-              <a:buNone/>
-            </a:pPr>
-            <a:r>
-              <a:rPr lang="ja" sz="1000"/>
+            <a:endParaRPr lang="ja" sz="1000" dirty="0"/>
+          </a:p>
+          <a:p>
+            <a:pPr lvl="0" rtl="0">
+              <a:spcBef>
+                <a:spcPts val="0"/>
+              </a:spcBef>
+              <a:buNone/>
+            </a:pPr>
+            <a:r>
+              <a:rPr lang="ja-JP" altLang="en-US" sz="1000" dirty="0" smtClean="0"/>
+              <a:t>→サーバ</a:t>
+            </a:r>
+            <a:r>
+              <a:rPr lang="en-US" altLang="ja-JP" sz="1000" dirty="0" smtClean="0"/>
+              <a:t>(</a:t>
+            </a:r>
+            <a:r>
+              <a:rPr lang="en-US" altLang="ja-JP" sz="1000" dirty="0"/>
+              <a:t>30</a:t>
+            </a:r>
+            <a:r>
+              <a:rPr lang="ja-JP" altLang="en-US" sz="1000" dirty="0" smtClean="0"/>
+              <a:t>万</a:t>
+            </a:r>
+            <a:r>
+              <a:rPr lang="en-US" altLang="ja-JP" sz="1000" dirty="0" smtClean="0"/>
+              <a:t>/</a:t>
+            </a:r>
+            <a:r>
+              <a:rPr lang="ja-JP" altLang="en-US" sz="1000" dirty="0" smtClean="0"/>
+              <a:t>年</a:t>
+            </a:r>
+            <a:r>
+              <a:rPr lang="en-US" altLang="ja-JP" sz="1000" dirty="0" smtClean="0"/>
+              <a:t>)</a:t>
+            </a:r>
+            <a:endParaRPr lang="en-US" altLang="ja" sz="1000" dirty="0" smtClean="0"/>
+          </a:p>
+          <a:p>
+            <a:pPr lvl="0" rtl="0">
+              <a:spcBef>
+                <a:spcPts val="0"/>
+              </a:spcBef>
+              <a:buNone/>
+            </a:pPr>
+            <a:r>
+              <a:rPr lang="ja" sz="1000" dirty="0" smtClean="0"/>
               <a:t>人件費など</a:t>
             </a:r>
+            <a:endParaRPr lang="en-US" altLang="ja-JP" sz="1000" dirty="0" smtClean="0"/>
+          </a:p>
+          <a:p>
+            <a:pPr lvl="0" rtl="0">
+              <a:spcBef>
+                <a:spcPts val="0"/>
+              </a:spcBef>
+              <a:buNone/>
+            </a:pPr>
+            <a:r>
+              <a:rPr lang="ja-JP" altLang="en-US" sz="1000" dirty="0" smtClean="0"/>
+              <a:t>→運用費</a:t>
+            </a:r>
+            <a:r>
+              <a:rPr lang="en-US" altLang="ja-JP" sz="1000" dirty="0" smtClean="0"/>
+              <a:t>(360</a:t>
+            </a:r>
+            <a:r>
+              <a:rPr lang="ja-JP" altLang="en-US" sz="1000" dirty="0" smtClean="0"/>
+              <a:t>万</a:t>
+            </a:r>
+            <a:r>
+              <a:rPr lang="en-US" altLang="ja-JP" sz="1000" dirty="0" smtClean="0"/>
+              <a:t>/</a:t>
+            </a:r>
+            <a:r>
+              <a:rPr lang="ja-JP" altLang="en-US" sz="1000" dirty="0" smtClean="0"/>
+              <a:t>年</a:t>
+            </a:r>
+            <a:r>
+              <a:rPr lang="en-US" altLang="ja-JP" sz="1000" dirty="0" smtClean="0"/>
+              <a:t>)</a:t>
+            </a:r>
+            <a:endParaRPr lang="ja" sz="1000" dirty="0"/>
           </a:p>
         </p:txBody>
       </p:sp>
@@ -4598,11 +4656,7 @@
             </a:pPr>
             <a:r>
               <a:rPr lang="ja-JP" altLang="en-US" sz="1000" dirty="0" smtClean="0"/>
-              <a:t>・</a:t>
-            </a:r>
-            <a:r>
-              <a:rPr lang="ja-JP" altLang="en-US" sz="1000" dirty="0" smtClean="0"/>
-              <a:t>参加者数</a:t>
+              <a:t>・参加者数</a:t>
             </a:r>
             <a:endParaRPr lang="en-US" altLang="ja-JP" sz="1000" dirty="0" smtClean="0"/>
           </a:p>
@@ -4647,6 +4701,34 @@
             </a:pPr>
             <a:r>
               <a:rPr lang="ja-JP" altLang="en-US" sz="1000" dirty="0" smtClean="0"/>
+              <a:t>　→満足度</a:t>
+            </a:r>
+            <a:r>
+              <a:rPr lang="en-US" altLang="ja-JP" sz="1000" dirty="0" smtClean="0"/>
+              <a:t>(</a:t>
+            </a:r>
+            <a:r>
+              <a:rPr lang="ja-JP" altLang="en-US" sz="1000" dirty="0" smtClean="0"/>
+              <a:t>８０％</a:t>
+            </a:r>
+            <a:r>
+              <a:rPr lang="ja-JP" altLang="en-US" sz="1000" dirty="0"/>
+              <a:t>以上</a:t>
+            </a:r>
+            <a:r>
+              <a:rPr lang="en-US" altLang="ja-JP" sz="1000" dirty="0" smtClean="0"/>
+              <a:t>)</a:t>
+            </a:r>
+          </a:p>
+          <a:p>
+            <a:pPr lvl="0" rtl="0">
+              <a:spcBef>
+                <a:spcPts val="0"/>
+              </a:spcBef>
+              <a:buNone/>
+            </a:pPr>
+            <a:r>
+              <a:rPr lang="ja-JP" altLang="en-US" sz="1000" dirty="0" smtClean="0"/>
               <a:t>・アンケート</a:t>
             </a:r>
             <a:r>
@@ -4669,7 +4751,1599 @@
               <a:rPr lang="en-US" altLang="ja-JP" sz="1000" dirty="0" smtClean="0"/>
               <a:t>)</a:t>
             </a:r>
+          </a:p>
+          <a:p>
+            <a:pPr lvl="0" rtl="0">
+              <a:spcBef>
+                <a:spcPts val="0"/>
+              </a:spcBef>
+              <a:buNone/>
+            </a:pPr>
+            <a:r>
+              <a:rPr lang="ja-JP" altLang="en-US" sz="1000" dirty="0"/>
+              <a:t>　</a:t>
+            </a:r>
+            <a:r>
+              <a:rPr lang="ja-JP" altLang="en-US" sz="1000" dirty="0" smtClean="0"/>
+              <a:t>→満足度</a:t>
+            </a:r>
+            <a:r>
+              <a:rPr lang="en-US" altLang="ja-JP" sz="1000" dirty="0" smtClean="0"/>
+              <a:t>(</a:t>
+            </a:r>
+            <a:r>
+              <a:rPr lang="ja-JP" altLang="en-US" sz="1000" dirty="0" smtClean="0"/>
+              <a:t>７０％以上</a:t>
+            </a:r>
+            <a:r>
+              <a:rPr lang="en-US" altLang="ja-JP" sz="1000" dirty="0" smtClean="0"/>
+              <a:t>)</a:t>
+            </a:r>
+          </a:p>
+          <a:p>
+            <a:pPr lvl="0" rtl="0">
+              <a:spcBef>
+                <a:spcPts val="0"/>
+              </a:spcBef>
+              <a:buNone/>
+            </a:pPr>
+            <a:r>
+              <a:rPr lang="ja-JP" altLang="en-US" sz="1000" dirty="0" smtClean="0"/>
+              <a:t>・リピート率</a:t>
+            </a:r>
             <a:endParaRPr lang="en-US" altLang="ja-JP" sz="1000" dirty="0" smtClean="0"/>
+          </a:p>
+          <a:p>
+            <a:pPr lvl="0" rtl="0">
+              <a:spcBef>
+                <a:spcPts val="0"/>
+              </a:spcBef>
+              <a:buNone/>
+            </a:pPr>
+            <a:endParaRPr lang="en-US" altLang="ja" sz="1000" dirty="0"/>
+          </a:p>
+        </p:txBody>
+      </p:sp>
+      <p:sp>
+        <p:nvSpPr>
+          <p:cNvPr id="31" name="Shape 31"/>
+          <p:cNvSpPr txBox="1"/>
+          <p:nvPr/>
+        </p:nvSpPr>
+        <p:spPr>
+          <a:xfrm>
+            <a:off x="5437906" y="2293510"/>
+            <a:ext cx="1764300" cy="2000999"/>
+          </a:xfrm>
+          <a:prstGeom prst="rect">
+            <a:avLst/>
+          </a:prstGeom>
+          <a:noFill/>
+          <a:ln w="9525" cap="flat">
+            <a:solidFill>
+              <a:srgbClr val="000000"/>
+            </a:solidFill>
+            <a:prstDash val="solid"/>
+            <a:round/>
+            <a:headEnd type="none" w="med" len="med"/>
+            <a:tailEnd type="none" w="med" len="med"/>
+          </a:ln>
+        </p:spPr>
+        <p:txBody>
+          <a:bodyPr lIns="91425" tIns="91425" rIns="91425" bIns="91425" anchor="t" anchorCtr="0">
+            <a:noAutofit/>
+          </a:bodyPr>
+          <a:lstStyle/>
+          <a:p>
+            <a:pPr lvl="0" rtl="0">
+              <a:spcBef>
+                <a:spcPts val="0"/>
+              </a:spcBef>
+              <a:buNone/>
+            </a:pPr>
+            <a:r>
+              <a:rPr lang="ja" sz="1000" dirty="0"/>
+              <a:t>5.チャネル</a:t>
+            </a:r>
+          </a:p>
+          <a:p>
+            <a:pPr lvl="0" rtl="0">
+              <a:spcBef>
+                <a:spcPts val="0"/>
+              </a:spcBef>
+              <a:buNone/>
+            </a:pPr>
+            <a:endParaRPr sz="1000" dirty="0"/>
+          </a:p>
+          <a:p>
+            <a:pPr lvl="0" rtl="0">
+              <a:spcBef>
+                <a:spcPts val="0"/>
+              </a:spcBef>
+              <a:buNone/>
+            </a:pPr>
+            <a:r>
+              <a:rPr lang="ja-JP" altLang="en-US" sz="1000" dirty="0" smtClean="0"/>
+              <a:t>・口コミ（そのイベントの参加者）</a:t>
+            </a:r>
+            <a:endParaRPr lang="en-US" altLang="ja-JP" sz="1000" dirty="0" smtClean="0"/>
+          </a:p>
+          <a:p>
+            <a:pPr lvl="0" rtl="0">
+              <a:spcBef>
+                <a:spcPts val="0"/>
+              </a:spcBef>
+              <a:buNone/>
+            </a:pPr>
+            <a:endParaRPr lang="en-US" altLang="ja" sz="1000" dirty="0"/>
+          </a:p>
+          <a:p>
+            <a:pPr lvl="0" rtl="0">
+              <a:spcBef>
+                <a:spcPts val="0"/>
+              </a:spcBef>
+              <a:buNone/>
+            </a:pPr>
+            <a:r>
+              <a:rPr lang="ja-JP" altLang="en-US" sz="1000" dirty="0" smtClean="0"/>
+              <a:t>・スマ婚とかと提携</a:t>
+            </a:r>
+            <a:endParaRPr lang="ja" sz="1000" dirty="0"/>
+          </a:p>
+        </p:txBody>
+      </p:sp>
+      <p:sp>
+        <p:nvSpPr>
+          <p:cNvPr id="32" name="Shape 32"/>
+          <p:cNvSpPr txBox="1"/>
+          <p:nvPr/>
+        </p:nvSpPr>
+        <p:spPr>
+          <a:xfrm>
+            <a:off x="75500" y="41925"/>
+            <a:ext cx="2977800" cy="309899"/>
+          </a:xfrm>
+          <a:prstGeom prst="rect">
+            <a:avLst/>
+          </a:prstGeom>
+          <a:noFill/>
+          <a:ln>
+            <a:noFill/>
+          </a:ln>
+        </p:spPr>
+        <p:txBody>
+          <a:bodyPr lIns="91425" tIns="91425" rIns="91425" bIns="91425" anchor="t" anchorCtr="0">
+            <a:noAutofit/>
+          </a:bodyPr>
+          <a:lstStyle/>
+          <a:p>
+            <a:pPr lvl="0" rtl="0">
+              <a:spcBef>
+                <a:spcPts val="0"/>
+              </a:spcBef>
+              <a:buNone/>
+            </a:pPr>
+            <a:r>
+              <a:rPr lang="ja" sz="1000" u="sng" dirty="0"/>
+              <a:t>タイトル</a:t>
+            </a:r>
+            <a:r>
+              <a:rPr lang="ja" sz="1000" u="sng" dirty="0" smtClean="0"/>
+              <a:t>:</a:t>
+            </a:r>
+            <a:r>
+              <a:rPr lang="en-US" altLang="ja" sz="1000" u="sng" dirty="0" err="1" smtClean="0"/>
+              <a:t>SmaQ</a:t>
+            </a:r>
+            <a:r>
+              <a:rPr lang="en-US" altLang="ja" sz="1000" u="sng" dirty="0" smtClean="0"/>
+              <a:t>(</a:t>
+            </a:r>
+            <a:r>
+              <a:rPr lang="ja-JP" altLang="en-US" sz="1000" u="sng" dirty="0" err="1" smtClean="0"/>
+              <a:t>すま</a:t>
+            </a:r>
+            <a:r>
+              <a:rPr lang="ja-JP" altLang="en-US" sz="1000" u="sng" dirty="0" err="1"/>
+              <a:t>きゅ</a:t>
+            </a:r>
+            <a:r>
+              <a:rPr lang="ja-JP" altLang="en-US" sz="1000" u="sng" dirty="0" smtClean="0"/>
+              <a:t>ー）</a:t>
+            </a:r>
+            <a:endParaRPr lang="ja" sz="1000" u="sng" dirty="0"/>
+          </a:p>
+        </p:txBody>
+      </p:sp>
+    </p:spTree>
+    <p:extLst>
+      <p:ext uri="{BB962C8B-B14F-4D97-AF65-F5344CB8AC3E}">
+        <p14:creationId xmlns:p14="http://schemas.microsoft.com/office/powerpoint/2010/main" val="4119932376"/>
+      </p:ext>
+    </p:extLst>
+  </p:cSld>
+  <p:clrMapOvr>
+    <a:masterClrMapping/>
+  </p:clrMapOvr>
+  <p:transition spd="slow">
+    <p:cut/>
+  </p:transition>
+  <p:timing>
+    <p:tnLst>
+      <p:par>
+        <p:cTn id="1" dur="indefinite" restart="never" nodeType="tmRoot"/>
+      </p:par>
+    </p:tnLst>
+  </p:timing>
+</p:sld>
+</file>
+
+<file path=ppt/slides/slide2.xml><?xml version="1.0" encoding="utf-8"?>
+<p:sld xmlns:a="http://schemas.openxmlformats.org/drawingml/2006/main" xmlns:r="http://schemas.openxmlformats.org/officeDocument/2006/relationships" xmlns:p="http://schemas.openxmlformats.org/presentationml/2006/main">
+  <p:cSld>
+    <p:spTree>
+      <p:nvGrpSpPr>
+        <p:cNvPr id="1" name=""/>
+        <p:cNvGrpSpPr/>
+        <p:nvPr/>
+      </p:nvGrpSpPr>
+      <p:grpSpPr>
+        <a:xfrm>
+          <a:off x="0" y="0"/>
+          <a:ext cx="0" cy="0"/>
+          <a:chOff x="0" y="0"/>
+          <a:chExt cx="0" cy="0"/>
+        </a:xfrm>
+      </p:grpSpPr>
+      <p:sp>
+        <p:nvSpPr>
+          <p:cNvPr id="2" name="タイトル 1"/>
+          <p:cNvSpPr>
+            <a:spLocks noGrp="1"/>
+          </p:cNvSpPr>
+          <p:nvPr>
+            <p:ph type="title"/>
+          </p:nvPr>
+        </p:nvSpPr>
+        <p:spPr>
+          <a:xfrm>
+            <a:off x="457200" y="2913334"/>
+            <a:ext cx="8229600" cy="1143000"/>
+          </a:xfrm>
+        </p:spPr>
+        <p:txBody>
+          <a:bodyPr/>
+          <a:lstStyle/>
+          <a:p>
+            <a:r>
+              <a:rPr kumimoji="1" lang="ja-JP" altLang="en-US" dirty="0" smtClean="0"/>
+              <a:t>以下、過去資料</a:t>
+            </a:r>
+            <a:endParaRPr kumimoji="1" lang="ja-JP" altLang="en-US" dirty="0"/>
+          </a:p>
+        </p:txBody>
+      </p:sp>
+    </p:spTree>
+    <p:extLst>
+      <p:ext uri="{BB962C8B-B14F-4D97-AF65-F5344CB8AC3E}">
+        <p14:creationId xmlns:p14="http://schemas.microsoft.com/office/powerpoint/2010/main" val="2325472960"/>
+      </p:ext>
+    </p:extLst>
+  </p:cSld>
+  <p:clrMapOvr>
+    <a:masterClrMapping/>
+  </p:clrMapOvr>
+</p:sld>
+</file>
+
+<file path=ppt/slides/slide3.xml><?xml version="1.0" encoding="utf-8"?>
+<p:sld xmlns:a="http://schemas.openxmlformats.org/drawingml/2006/main" xmlns:r="http://schemas.openxmlformats.org/officeDocument/2006/relationships" xmlns:p="http://schemas.openxmlformats.org/presentationml/2006/main">
+  <p:cSld>
+    <p:spTree>
+      <p:nvGrpSpPr>
+        <p:cNvPr id="1" name="Shape 22"/>
+        <p:cNvGrpSpPr/>
+        <p:nvPr/>
+      </p:nvGrpSpPr>
+      <p:grpSpPr>
+        <a:xfrm>
+          <a:off x="0" y="0"/>
+          <a:ext cx="0" cy="0"/>
+          <a:chOff x="0" y="0"/>
+          <a:chExt cx="0" cy="0"/>
+        </a:xfrm>
+      </p:grpSpPr>
+      <p:sp>
+        <p:nvSpPr>
+          <p:cNvPr id="23" name="Shape 23"/>
+          <p:cNvSpPr txBox="1"/>
+          <p:nvPr/>
+        </p:nvSpPr>
+        <p:spPr>
+          <a:xfrm>
+            <a:off x="143825" y="438200"/>
+            <a:ext cx="1764300" cy="3856200"/>
+          </a:xfrm>
+          <a:prstGeom prst="rect">
+            <a:avLst/>
+          </a:prstGeom>
+          <a:noFill/>
+          <a:ln w="9525" cap="flat">
+            <a:solidFill>
+              <a:srgbClr val="000000"/>
+            </a:solidFill>
+            <a:prstDash val="solid"/>
+            <a:round/>
+            <a:headEnd type="none" w="med" len="med"/>
+            <a:tailEnd type="none" w="med" len="med"/>
+          </a:ln>
+        </p:spPr>
+        <p:txBody>
+          <a:bodyPr lIns="91425" tIns="91425" rIns="91425" bIns="91425" anchor="t" anchorCtr="0">
+            <a:noAutofit/>
+          </a:bodyPr>
+          <a:lstStyle/>
+          <a:p>
+            <a:pPr lvl="0" rtl="0">
+              <a:spcBef>
+                <a:spcPts val="0"/>
+              </a:spcBef>
+              <a:buNone/>
+            </a:pPr>
+            <a:r>
+              <a:rPr lang="ja" sz="1000" dirty="0"/>
+              <a:t>1.課題</a:t>
+            </a:r>
+          </a:p>
+          <a:p>
+            <a:pPr lvl="0" rtl="0">
+              <a:spcBef>
+                <a:spcPts val="0"/>
+              </a:spcBef>
+              <a:buNone/>
+            </a:pPr>
+            <a:endParaRPr sz="1000" dirty="0"/>
+          </a:p>
+          <a:p>
+            <a:pPr lvl="0" rtl="0">
+              <a:spcBef>
+                <a:spcPts val="0"/>
+              </a:spcBef>
+              <a:buNone/>
+            </a:pPr>
+            <a:r>
+              <a:rPr lang="ja-JP" altLang="en-US" sz="1000" dirty="0" smtClean="0"/>
+              <a:t>・イベントの催し物を依頼されたが何をすべきか迷う</a:t>
+            </a:r>
+            <a:endParaRPr lang="en-US" altLang="ja-JP" sz="1000" dirty="0" smtClean="0"/>
+          </a:p>
+          <a:p>
+            <a:pPr lvl="0" rtl="0">
+              <a:spcBef>
+                <a:spcPts val="0"/>
+              </a:spcBef>
+              <a:buNone/>
+            </a:pPr>
+            <a:endParaRPr lang="en-US" altLang="ja" sz="1000" dirty="0"/>
+          </a:p>
+          <a:p>
+            <a:pPr lvl="0" rtl="0">
+              <a:spcBef>
+                <a:spcPts val="0"/>
+              </a:spcBef>
+              <a:buNone/>
+            </a:pPr>
+            <a:r>
+              <a:rPr lang="ja-JP" altLang="en-US" sz="1000" dirty="0" smtClean="0"/>
+              <a:t>・ビンゴ大会等に頼りがちになってしまう。</a:t>
+            </a:r>
+            <a:endParaRPr lang="ja" sz="1000" dirty="0"/>
+          </a:p>
+          <a:p>
+            <a:pPr lvl="0" rtl="0">
+              <a:spcBef>
+                <a:spcPts val="0"/>
+              </a:spcBef>
+              <a:buNone/>
+            </a:pPr>
+            <a:endParaRPr sz="1000" dirty="0"/>
+          </a:p>
+          <a:p>
+            <a:pPr lvl="0" rtl="0">
+              <a:spcBef>
+                <a:spcPts val="0"/>
+              </a:spcBef>
+              <a:buNone/>
+            </a:pPr>
+            <a:r>
+              <a:rPr lang="ja-JP" altLang="en-US" sz="1000" dirty="0" smtClean="0"/>
+              <a:t>・人前で話すことが苦手な人が</a:t>
+            </a:r>
+            <a:r>
+              <a:rPr lang="en-US" altLang="ja-JP" sz="1000" dirty="0" smtClean="0"/>
+              <a:t>MC</a:t>
+            </a:r>
+            <a:r>
+              <a:rPr lang="ja-JP" altLang="en-US" sz="1000" dirty="0" smtClean="0"/>
+              <a:t>をするのは大変。</a:t>
+            </a:r>
+            <a:endParaRPr sz="1000" dirty="0"/>
+          </a:p>
+          <a:p>
+            <a:pPr lvl="0" rtl="0">
+              <a:spcBef>
+                <a:spcPts val="0"/>
+              </a:spcBef>
+              <a:buNone/>
+            </a:pPr>
+            <a:endParaRPr sz="1000" dirty="0"/>
+          </a:p>
+          <a:p>
+            <a:pPr lvl="0" rtl="0">
+              <a:spcBef>
+                <a:spcPts val="0"/>
+              </a:spcBef>
+              <a:buNone/>
+            </a:pPr>
+            <a:endParaRPr sz="1000" dirty="0"/>
+          </a:p>
+          <a:p>
+            <a:pPr lvl="0" rtl="0">
+              <a:spcBef>
+                <a:spcPts val="0"/>
+              </a:spcBef>
+              <a:buNone/>
+            </a:pPr>
+            <a:r>
+              <a:rPr lang="ja" sz="900" dirty="0"/>
+              <a:t>[競合・既存の代替品</a:t>
+            </a:r>
+            <a:r>
+              <a:rPr lang="ja" sz="900" dirty="0" smtClean="0"/>
+              <a:t>]</a:t>
+            </a:r>
+            <a:endParaRPr sz="1000" dirty="0"/>
+          </a:p>
+          <a:p>
+            <a:pPr lvl="0"/>
+            <a:r>
+              <a:rPr lang="ja-JP" altLang="en-US" sz="1000" dirty="0" smtClean="0"/>
+              <a:t>・ケータイゴング</a:t>
+            </a:r>
+            <a:r>
+              <a:rPr lang="en-US" altLang="ja-JP" sz="1000" dirty="0" smtClean="0"/>
+              <a:t>for wedding</a:t>
+            </a:r>
+          </a:p>
+          <a:p>
+            <a:pPr lvl="0"/>
+            <a:r>
+              <a:rPr lang="en-US" altLang="ja-JP" sz="1000" dirty="0" smtClean="0"/>
+              <a:t>http</a:t>
+            </a:r>
+            <a:r>
+              <a:rPr lang="en-US" altLang="ja-JP" sz="1000" dirty="0"/>
+              <a:t>://wedding.keitaigong.jp/toppage/introduce/whats_keitaigong</a:t>
+            </a:r>
+            <a:endParaRPr sz="1000" dirty="0"/>
+          </a:p>
+          <a:p>
+            <a:pPr lvl="0" rtl="0">
+              <a:spcBef>
+                <a:spcPts val="0"/>
+              </a:spcBef>
+              <a:buNone/>
+            </a:pPr>
+            <a:endParaRPr sz="1000" dirty="0"/>
+          </a:p>
+        </p:txBody>
+      </p:sp>
+      <p:sp>
+        <p:nvSpPr>
+          <p:cNvPr id="24" name="Shape 24"/>
+          <p:cNvSpPr txBox="1"/>
+          <p:nvPr/>
+        </p:nvSpPr>
+        <p:spPr>
+          <a:xfrm>
+            <a:off x="1904408" y="438200"/>
+            <a:ext cx="1764300" cy="1853700"/>
+          </a:xfrm>
+          <a:prstGeom prst="rect">
+            <a:avLst/>
+          </a:prstGeom>
+          <a:noFill/>
+          <a:ln w="9525" cap="flat">
+            <a:solidFill>
+              <a:srgbClr val="000000"/>
+            </a:solidFill>
+            <a:prstDash val="solid"/>
+            <a:round/>
+            <a:headEnd type="none" w="med" len="med"/>
+            <a:tailEnd type="none" w="med" len="med"/>
+          </a:ln>
+        </p:spPr>
+        <p:txBody>
+          <a:bodyPr lIns="91425" tIns="91425" rIns="91425" bIns="91425" anchor="t" anchorCtr="0">
+            <a:noAutofit/>
+          </a:bodyPr>
+          <a:lstStyle/>
+          <a:p>
+            <a:pPr lvl="0" rtl="0">
+              <a:spcBef>
+                <a:spcPts val="0"/>
+              </a:spcBef>
+              <a:buNone/>
+            </a:pPr>
+            <a:r>
+              <a:rPr lang="ja" sz="1000" dirty="0"/>
+              <a:t>4.ソリューション</a:t>
+            </a:r>
+          </a:p>
+          <a:p>
+            <a:pPr lvl="0" rtl="0">
+              <a:spcBef>
+                <a:spcPts val="0"/>
+              </a:spcBef>
+              <a:buNone/>
+            </a:pPr>
+            <a:endParaRPr sz="1000" dirty="0"/>
+          </a:p>
+          <a:p>
+            <a:pPr lvl="0"/>
+            <a:r>
+              <a:rPr lang="ja-JP" altLang="en-US" sz="1000" dirty="0"/>
+              <a:t>・過去のイベントでのランキング</a:t>
+            </a:r>
+            <a:r>
+              <a:rPr lang="ja-JP" altLang="en-US" sz="1000" dirty="0" smtClean="0"/>
+              <a:t>表示、景品紹介機能</a:t>
+            </a:r>
+            <a:endParaRPr lang="en-US" altLang="ja-JP" sz="1000" dirty="0"/>
+          </a:p>
+          <a:p>
+            <a:pPr lvl="0"/>
+            <a:r>
+              <a:rPr lang="ja-JP" altLang="en-US" sz="1000" dirty="0"/>
+              <a:t>・</a:t>
+            </a:r>
+            <a:r>
+              <a:rPr lang="en-US" altLang="ja-JP" sz="1000" dirty="0"/>
+              <a:t>MC</a:t>
+            </a:r>
+            <a:r>
+              <a:rPr lang="ja-JP" altLang="en-US" sz="1000" dirty="0"/>
+              <a:t>サポート</a:t>
+            </a:r>
+            <a:r>
+              <a:rPr lang="ja-JP" altLang="en-US" sz="1000" dirty="0" smtClean="0"/>
+              <a:t>機能</a:t>
+            </a:r>
+            <a:r>
+              <a:rPr lang="en-US" altLang="ja-JP" sz="1000" dirty="0" smtClean="0"/>
+              <a:t>(</a:t>
+            </a:r>
+            <a:r>
+              <a:rPr lang="ja-JP" altLang="en-US" sz="1000" dirty="0" smtClean="0"/>
+              <a:t>台本等</a:t>
+            </a:r>
+            <a:r>
+              <a:rPr lang="en-US" altLang="ja-JP" sz="1000" dirty="0" smtClean="0"/>
+              <a:t>)</a:t>
+            </a:r>
+            <a:endParaRPr lang="en-US" altLang="ja-JP" sz="1000" dirty="0"/>
+          </a:p>
+          <a:p>
+            <a:pPr lvl="0"/>
+            <a:r>
+              <a:rPr lang="ja-JP" altLang="en-US" sz="1000" dirty="0" smtClean="0"/>
+              <a:t>・リピーターのためにデザインを数種類用意する</a:t>
+            </a:r>
+            <a:endParaRPr lang="en-US" altLang="ja-JP" sz="1000" dirty="0"/>
+          </a:p>
+        </p:txBody>
+      </p:sp>
+      <p:sp>
+        <p:nvSpPr>
+          <p:cNvPr id="25" name="Shape 25"/>
+          <p:cNvSpPr txBox="1"/>
+          <p:nvPr/>
+        </p:nvSpPr>
+        <p:spPr>
+          <a:xfrm>
+            <a:off x="3672976" y="438200"/>
+            <a:ext cx="1764300" cy="3856200"/>
+          </a:xfrm>
+          <a:prstGeom prst="rect">
+            <a:avLst/>
+          </a:prstGeom>
+          <a:noFill/>
+          <a:ln w="9525" cap="flat">
+            <a:solidFill>
+              <a:srgbClr val="000000"/>
+            </a:solidFill>
+            <a:prstDash val="solid"/>
+            <a:round/>
+            <a:headEnd type="none" w="med" len="med"/>
+            <a:tailEnd type="none" w="med" len="med"/>
+          </a:ln>
+        </p:spPr>
+        <p:txBody>
+          <a:bodyPr lIns="91425" tIns="91425" rIns="91425" bIns="91425" anchor="t" anchorCtr="0">
+            <a:noAutofit/>
+          </a:bodyPr>
+          <a:lstStyle/>
+          <a:p>
+            <a:pPr lvl="0" rtl="0">
+              <a:spcBef>
+                <a:spcPts val="0"/>
+              </a:spcBef>
+              <a:buNone/>
+            </a:pPr>
+            <a:r>
+              <a:rPr lang="ja" sz="1000" dirty="0"/>
+              <a:t>3.独自の価値提案</a:t>
+            </a:r>
+          </a:p>
+          <a:p>
+            <a:pPr lvl="0" rtl="0">
+              <a:spcBef>
+                <a:spcPts val="0"/>
+              </a:spcBef>
+              <a:buNone/>
+            </a:pPr>
+            <a:endParaRPr sz="1000" dirty="0"/>
+          </a:p>
+          <a:p>
+            <a:pPr lvl="0" rtl="0">
+              <a:spcBef>
+                <a:spcPts val="0"/>
+              </a:spcBef>
+              <a:buNone/>
+            </a:pPr>
+            <a:r>
+              <a:rPr lang="ja-JP" altLang="en-US" sz="1000" dirty="0" smtClean="0"/>
+              <a:t>・今夜、肩書がひとつ増えます。名幹事という名の。</a:t>
+            </a:r>
+            <a:endParaRPr lang="en-US" altLang="ja-JP" sz="1000" dirty="0" smtClean="0"/>
+          </a:p>
+          <a:p>
+            <a:pPr lvl="0" rtl="0">
+              <a:spcBef>
+                <a:spcPts val="0"/>
+              </a:spcBef>
+              <a:buNone/>
+            </a:pPr>
+            <a:endParaRPr sz="1000" dirty="0"/>
+          </a:p>
+          <a:p>
+            <a:pPr lvl="0" rtl="0">
+              <a:spcBef>
+                <a:spcPts val="0"/>
+              </a:spcBef>
+              <a:buNone/>
+            </a:pPr>
+            <a:endParaRPr sz="1000" dirty="0"/>
+          </a:p>
+          <a:p>
+            <a:pPr lvl="0" rtl="0">
+              <a:spcBef>
+                <a:spcPts val="0"/>
+              </a:spcBef>
+              <a:buNone/>
+            </a:pPr>
+            <a:r>
+              <a:rPr lang="ja-JP" altLang="en-US" sz="1000" dirty="0" smtClean="0"/>
+              <a:t>・趣味</a:t>
+            </a:r>
+            <a:r>
+              <a:rPr lang="ja-JP" altLang="en-US" sz="1000" dirty="0"/>
+              <a:t>＝</a:t>
+            </a:r>
+            <a:r>
+              <a:rPr lang="ja-JP" altLang="en-US" sz="1000" dirty="0" smtClean="0"/>
+              <a:t>幹事</a:t>
+            </a:r>
+            <a:endParaRPr sz="1000" dirty="0"/>
+          </a:p>
+          <a:p>
+            <a:pPr lvl="0" rtl="0">
+              <a:spcBef>
+                <a:spcPts val="0"/>
+              </a:spcBef>
+              <a:buNone/>
+            </a:pPr>
+            <a:endParaRPr sz="1000" dirty="0"/>
+          </a:p>
+          <a:p>
+            <a:pPr lvl="0" rtl="0">
+              <a:spcBef>
+                <a:spcPts val="0"/>
+              </a:spcBef>
+              <a:buNone/>
+            </a:pPr>
+            <a:endParaRPr sz="1000" dirty="0"/>
+          </a:p>
+          <a:p>
+            <a:pPr lvl="0" rtl="0">
+              <a:spcBef>
+                <a:spcPts val="0"/>
+              </a:spcBef>
+              <a:buNone/>
+            </a:pPr>
+            <a:r>
+              <a:rPr lang="ja" sz="900" dirty="0"/>
+              <a:t>[リリース遅延による価値低下]</a:t>
+            </a:r>
+          </a:p>
+          <a:p>
+            <a:pPr lvl="0" rtl="0">
+              <a:spcBef>
+                <a:spcPts val="0"/>
+              </a:spcBef>
+              <a:buNone/>
+            </a:pPr>
+            <a:endParaRPr sz="1000" dirty="0"/>
+          </a:p>
+          <a:p>
+            <a:pPr lvl="0" rtl="0">
+              <a:spcBef>
+                <a:spcPts val="0"/>
+              </a:spcBef>
+              <a:buNone/>
+            </a:pPr>
+            <a:r>
+              <a:rPr lang="ja-JP" altLang="en-US" sz="1000" dirty="0"/>
+              <a:t>かき入れ</a:t>
+            </a:r>
+            <a:r>
+              <a:rPr lang="ja-JP" altLang="en-US" sz="1000" dirty="0" smtClean="0"/>
+              <a:t>時を逃す。</a:t>
+            </a:r>
+            <a:endParaRPr sz="1000" dirty="0"/>
+          </a:p>
+          <a:p>
+            <a:pPr lvl="0" rtl="0">
+              <a:spcBef>
+                <a:spcPts val="0"/>
+              </a:spcBef>
+              <a:buNone/>
+            </a:pPr>
+            <a:endParaRPr sz="1000" dirty="0"/>
+          </a:p>
+          <a:p>
+            <a:pPr lvl="0" rtl="0">
+              <a:spcBef>
+                <a:spcPts val="0"/>
+              </a:spcBef>
+              <a:buNone/>
+            </a:pPr>
+            <a:endParaRPr sz="1000" dirty="0"/>
+          </a:p>
+          <a:p>
+            <a:pPr lvl="0" rtl="0">
+              <a:spcBef>
+                <a:spcPts val="0"/>
+              </a:spcBef>
+              <a:buNone/>
+            </a:pPr>
+            <a:endParaRPr sz="1000" dirty="0"/>
+          </a:p>
+        </p:txBody>
+      </p:sp>
+      <p:sp>
+        <p:nvSpPr>
+          <p:cNvPr id="26" name="Shape 26"/>
+          <p:cNvSpPr txBox="1"/>
+          <p:nvPr/>
+        </p:nvSpPr>
+        <p:spPr>
+          <a:xfrm>
+            <a:off x="5433559" y="438200"/>
+            <a:ext cx="1764300" cy="1853700"/>
+          </a:xfrm>
+          <a:prstGeom prst="rect">
+            <a:avLst/>
+          </a:prstGeom>
+          <a:noFill/>
+          <a:ln w="9525" cap="flat">
+            <a:solidFill>
+              <a:srgbClr val="000000"/>
+            </a:solidFill>
+            <a:prstDash val="solid"/>
+            <a:round/>
+            <a:headEnd type="none" w="med" len="med"/>
+            <a:tailEnd type="none" w="med" len="med"/>
+          </a:ln>
+        </p:spPr>
+        <p:txBody>
+          <a:bodyPr lIns="91425" tIns="91425" rIns="91425" bIns="91425" anchor="t" anchorCtr="0">
+            <a:noAutofit/>
+          </a:bodyPr>
+          <a:lstStyle/>
+          <a:p>
+            <a:pPr lvl="0" rtl="0">
+              <a:spcBef>
+                <a:spcPts val="0"/>
+              </a:spcBef>
+              <a:buNone/>
+            </a:pPr>
+            <a:r>
+              <a:rPr lang="ja" sz="1000" dirty="0"/>
+              <a:t>9.圧倒的な</a:t>
+            </a:r>
+            <a:r>
+              <a:rPr lang="ja" sz="1000" dirty="0" smtClean="0"/>
+              <a:t>優位性</a:t>
+            </a:r>
+            <a:endParaRPr lang="en-US" altLang="ja" sz="1000" dirty="0" smtClean="0"/>
+          </a:p>
+          <a:p>
+            <a:pPr lvl="0" rtl="0">
+              <a:spcBef>
+                <a:spcPts val="0"/>
+              </a:spcBef>
+              <a:buNone/>
+            </a:pPr>
+            <a:endParaRPr lang="en-US" altLang="ja" sz="1000" dirty="0"/>
+          </a:p>
+          <a:p>
+            <a:pPr lvl="0" rtl="0">
+              <a:spcBef>
+                <a:spcPts val="0"/>
+              </a:spcBef>
+              <a:buNone/>
+            </a:pPr>
+            <a:r>
+              <a:rPr lang="ja-JP" altLang="en-US" sz="1000" dirty="0" smtClean="0"/>
+              <a:t>・クオリティや</a:t>
+            </a:r>
+            <a:r>
+              <a:rPr lang="en-US" altLang="ja-JP" sz="1000" dirty="0" smtClean="0"/>
+              <a:t>MC</a:t>
+            </a:r>
+            <a:r>
+              <a:rPr lang="ja-JP" altLang="en-US" sz="1000" dirty="0" smtClean="0"/>
+              <a:t>サポート機能によって、幹事目線に立ったサービスで幹事からの支持を得ます。</a:t>
+            </a:r>
+            <a:endParaRPr lang="en-US" altLang="ja-JP" sz="1000" dirty="0" smtClean="0"/>
+          </a:p>
+          <a:p>
+            <a:pPr lvl="0" rtl="0">
+              <a:spcBef>
+                <a:spcPts val="0"/>
+              </a:spcBef>
+              <a:buNone/>
+            </a:pPr>
+            <a:endParaRPr lang="en-US" altLang="ja-JP" sz="1000" dirty="0"/>
+          </a:p>
+          <a:p>
+            <a:pPr lvl="0" rtl="0">
+              <a:spcBef>
+                <a:spcPts val="0"/>
+              </a:spcBef>
+              <a:buNone/>
+            </a:pPr>
+            <a:r>
+              <a:rPr lang="ja-JP" altLang="en-US" sz="800" dirty="0" smtClean="0"/>
+              <a:t>→プレゼン後追記</a:t>
+            </a:r>
+            <a:endParaRPr lang="en-US" altLang="ja-JP" sz="800" dirty="0" smtClean="0"/>
+          </a:p>
+          <a:p>
+            <a:pPr lvl="0" rtl="0">
+              <a:spcBef>
+                <a:spcPts val="0"/>
+              </a:spcBef>
+              <a:buNone/>
+            </a:pPr>
+            <a:r>
+              <a:rPr lang="ja-JP" altLang="en-US" sz="800" dirty="0" smtClean="0"/>
+              <a:t>無料ユーザーはコンテンツを公開されて、有料ユーザーは非公開にすればコンテンツが集まって差別化できる？</a:t>
+            </a:r>
+            <a:endParaRPr lang="en-US" altLang="ja-JP" sz="800" dirty="0" smtClean="0"/>
+          </a:p>
+        </p:txBody>
+      </p:sp>
+      <p:sp>
+        <p:nvSpPr>
+          <p:cNvPr id="27" name="Shape 27"/>
+          <p:cNvSpPr txBox="1"/>
+          <p:nvPr/>
+        </p:nvSpPr>
+        <p:spPr>
+          <a:xfrm>
+            <a:off x="7202127" y="438200"/>
+            <a:ext cx="1764300" cy="3856200"/>
+          </a:xfrm>
+          <a:prstGeom prst="rect">
+            <a:avLst/>
+          </a:prstGeom>
+          <a:noFill/>
+          <a:ln w="9525" cap="flat">
+            <a:solidFill>
+              <a:srgbClr val="000000"/>
+            </a:solidFill>
+            <a:prstDash val="solid"/>
+            <a:round/>
+            <a:headEnd type="none" w="med" len="med"/>
+            <a:tailEnd type="none" w="med" len="med"/>
+          </a:ln>
+        </p:spPr>
+        <p:txBody>
+          <a:bodyPr lIns="91425" tIns="91425" rIns="91425" bIns="91425" anchor="t" anchorCtr="0">
+            <a:noAutofit/>
+          </a:bodyPr>
+          <a:lstStyle/>
+          <a:p>
+            <a:pPr lvl="0" rtl="0">
+              <a:spcBef>
+                <a:spcPts val="0"/>
+              </a:spcBef>
+              <a:buNone/>
+            </a:pPr>
+            <a:r>
+              <a:rPr lang="ja" sz="1000" dirty="0"/>
+              <a:t>2.顧客セグメント</a:t>
+            </a:r>
+          </a:p>
+          <a:p>
+            <a:pPr lvl="0" rtl="0">
+              <a:spcBef>
+                <a:spcPts val="0"/>
+              </a:spcBef>
+              <a:buNone/>
+            </a:pPr>
+            <a:endParaRPr sz="1000" dirty="0"/>
+          </a:p>
+          <a:p>
+            <a:pPr lvl="0" rtl="0">
+              <a:spcBef>
+                <a:spcPts val="0"/>
+              </a:spcBef>
+              <a:buNone/>
+            </a:pPr>
+            <a:r>
+              <a:rPr lang="ja-JP" altLang="en-US" sz="1000" dirty="0" smtClean="0"/>
+              <a:t>時間がなくて</a:t>
+            </a:r>
+            <a:r>
+              <a:rPr lang="ja-JP" altLang="en-US" sz="1000" dirty="0"/>
+              <a:t>、</a:t>
+            </a:r>
+            <a:r>
+              <a:rPr lang="ja-JP" altLang="en-US" sz="1000" dirty="0" smtClean="0"/>
+              <a:t>催し物に困っているイベントの幹事</a:t>
+            </a:r>
+            <a:endParaRPr sz="1000" dirty="0"/>
+          </a:p>
+          <a:p>
+            <a:pPr lvl="0" rtl="0">
+              <a:spcBef>
+                <a:spcPts val="0"/>
+              </a:spcBef>
+              <a:buNone/>
+            </a:pPr>
+            <a:endParaRPr sz="1000" dirty="0"/>
+          </a:p>
+          <a:p>
+            <a:pPr lvl="0" rtl="0">
+              <a:spcBef>
+                <a:spcPts val="0"/>
+              </a:spcBef>
+              <a:buNone/>
+            </a:pPr>
+            <a:endParaRPr sz="1000" dirty="0"/>
+          </a:p>
+          <a:p>
+            <a:pPr lvl="0" rtl="0">
+              <a:spcBef>
+                <a:spcPts val="0"/>
+              </a:spcBef>
+              <a:buNone/>
+            </a:pPr>
+            <a:endParaRPr sz="1000" dirty="0"/>
+          </a:p>
+          <a:p>
+            <a:pPr lvl="0" rtl="0">
+              <a:spcBef>
+                <a:spcPts val="0"/>
+              </a:spcBef>
+              <a:buNone/>
+            </a:pPr>
+            <a:r>
+              <a:rPr lang="ja" sz="900" dirty="0"/>
+              <a:t>[アーリーアダプター</a:t>
+            </a:r>
+            <a:r>
+              <a:rPr lang="ja" sz="900" dirty="0" smtClean="0"/>
+              <a:t>]</a:t>
+            </a:r>
+            <a:endParaRPr lang="en-US" altLang="ja" sz="900" dirty="0" smtClean="0"/>
+          </a:p>
+          <a:p>
+            <a:pPr lvl="0" rtl="0">
+              <a:spcBef>
+                <a:spcPts val="0"/>
+              </a:spcBef>
+              <a:buNone/>
+            </a:pPr>
+            <a:r>
+              <a:rPr lang="ja-JP" altLang="en-US" sz="900" dirty="0" smtClean="0"/>
+              <a:t>・忘年会、ハロウィンパーティ、クリスマスパーティの主催者</a:t>
+            </a:r>
+            <a:endParaRPr lang="en-US" altLang="ja-JP" sz="900" dirty="0" smtClean="0"/>
+          </a:p>
+          <a:p>
+            <a:pPr lvl="0" rtl="0">
+              <a:spcBef>
+                <a:spcPts val="0"/>
+              </a:spcBef>
+              <a:buNone/>
+            </a:pPr>
+            <a:endParaRPr lang="en-US" altLang="ja-JP" sz="900" dirty="0"/>
+          </a:p>
+          <a:p>
+            <a:pPr lvl="0" rtl="0">
+              <a:spcBef>
+                <a:spcPts val="0"/>
+              </a:spcBef>
+              <a:buNone/>
+            </a:pPr>
+            <a:r>
+              <a:rPr lang="ja-JP" altLang="en-US" sz="900" dirty="0" smtClean="0"/>
+              <a:t>・毎年ビンゴをしてそろそろ飽きてきた団体での飲み会の幹事</a:t>
+            </a:r>
+            <a:endParaRPr lang="en-US" altLang="ja-JP" sz="900" dirty="0" smtClean="0"/>
+          </a:p>
+        </p:txBody>
+      </p:sp>
+      <p:sp>
+        <p:nvSpPr>
+          <p:cNvPr id="28" name="Shape 28"/>
+          <p:cNvSpPr txBox="1"/>
+          <p:nvPr/>
+        </p:nvSpPr>
+        <p:spPr>
+          <a:xfrm>
+            <a:off x="4540050" y="4294323"/>
+            <a:ext cx="4423200" cy="2442900"/>
+          </a:xfrm>
+          <a:prstGeom prst="rect">
+            <a:avLst/>
+          </a:prstGeom>
+          <a:noFill/>
+          <a:ln w="9525" cap="flat">
+            <a:solidFill>
+              <a:srgbClr val="000000"/>
+            </a:solidFill>
+            <a:prstDash val="solid"/>
+            <a:round/>
+            <a:headEnd type="none" w="med" len="med"/>
+            <a:tailEnd type="none" w="med" len="med"/>
+          </a:ln>
+        </p:spPr>
+        <p:txBody>
+          <a:bodyPr lIns="91425" tIns="91425" rIns="91425" bIns="91425" anchor="t" anchorCtr="0">
+            <a:noAutofit/>
+          </a:bodyPr>
+          <a:lstStyle/>
+          <a:p>
+            <a:pPr lvl="0" rtl="0">
+              <a:spcBef>
+                <a:spcPts val="0"/>
+              </a:spcBef>
+              <a:buNone/>
+            </a:pPr>
+            <a:r>
+              <a:rPr lang="ja" sz="1000" dirty="0"/>
+              <a:t>6.収入の流れ</a:t>
+            </a:r>
+          </a:p>
+          <a:p>
+            <a:pPr lvl="0" rtl="0">
+              <a:spcBef>
+                <a:spcPts val="0"/>
+              </a:spcBef>
+              <a:buNone/>
+            </a:pPr>
+            <a:endParaRPr lang="en-US" sz="1000" dirty="0" smtClean="0"/>
+          </a:p>
+          <a:p>
+            <a:pPr lvl="0" rtl="0">
+              <a:spcBef>
+                <a:spcPts val="0"/>
+              </a:spcBef>
+              <a:buNone/>
+            </a:pPr>
+            <a:r>
+              <a:rPr lang="ja-JP" altLang="en-US" sz="1000" dirty="0"/>
+              <a:t>◆</a:t>
+            </a:r>
+            <a:r>
+              <a:rPr lang="ja-JP" altLang="en-US" sz="1000" dirty="0" smtClean="0"/>
+              <a:t>基本機能</a:t>
+            </a:r>
+            <a:r>
+              <a:rPr lang="en-US" altLang="ja-JP" sz="1000" b="1" dirty="0" smtClean="0"/>
+              <a:t>[</a:t>
+            </a:r>
+            <a:r>
+              <a:rPr lang="ja-JP" altLang="en-US" sz="1000" b="1" dirty="0" smtClean="0"/>
+              <a:t>無料</a:t>
+            </a:r>
+            <a:r>
+              <a:rPr lang="en-US" altLang="ja-JP" sz="1000" b="1" dirty="0" smtClean="0"/>
+              <a:t>]</a:t>
+            </a:r>
+            <a:endParaRPr sz="1000" b="1" dirty="0"/>
+          </a:p>
+          <a:p>
+            <a:pPr lvl="0" rtl="0">
+              <a:spcBef>
+                <a:spcPts val="0"/>
+              </a:spcBef>
+              <a:buNone/>
+            </a:pPr>
+            <a:r>
+              <a:rPr lang="ja-JP" altLang="en-US" sz="1000" dirty="0" smtClean="0"/>
+              <a:t>・テキスト問題</a:t>
+            </a:r>
+            <a:r>
+              <a:rPr lang="en-US" altLang="ja-JP" sz="1000" dirty="0" smtClean="0"/>
+              <a:t>(3</a:t>
+            </a:r>
+            <a:r>
+              <a:rPr lang="ja-JP" altLang="en-US" sz="1000" dirty="0" smtClean="0"/>
+              <a:t>問まで</a:t>
+            </a:r>
+            <a:r>
+              <a:rPr lang="en-US" altLang="ja-JP" sz="1000" dirty="0" smtClean="0"/>
+              <a:t>)</a:t>
+            </a:r>
+          </a:p>
+          <a:p>
+            <a:pPr lvl="0" rtl="0">
+              <a:spcBef>
+                <a:spcPts val="0"/>
+              </a:spcBef>
+              <a:buNone/>
+            </a:pPr>
+            <a:r>
+              <a:rPr lang="ja-JP" altLang="en-US" sz="1000" dirty="0" smtClean="0"/>
+              <a:t>・集計</a:t>
+            </a:r>
+            <a:endParaRPr lang="en-US" altLang="ja-JP" sz="1000" dirty="0" smtClean="0"/>
+          </a:p>
+          <a:p>
+            <a:pPr lvl="0" rtl="0">
+              <a:spcBef>
+                <a:spcPts val="0"/>
+              </a:spcBef>
+              <a:buNone/>
+            </a:pPr>
+            <a:r>
+              <a:rPr lang="ja-JP" altLang="en-US" sz="1000" dirty="0" smtClean="0"/>
+              <a:t>・回答</a:t>
+            </a:r>
+            <a:endParaRPr lang="en-US" altLang="ja-JP" sz="1000" dirty="0" smtClean="0"/>
+          </a:p>
+          <a:p>
+            <a:pPr lvl="0" rtl="0">
+              <a:spcBef>
+                <a:spcPts val="0"/>
+              </a:spcBef>
+              <a:buNone/>
+            </a:pPr>
+            <a:r>
+              <a:rPr lang="ja-JP" altLang="en-US" sz="1000" dirty="0" smtClean="0"/>
+              <a:t>・最終ランキング</a:t>
+            </a:r>
+            <a:endParaRPr lang="en-US" altLang="ja-JP" sz="1000" dirty="0" smtClean="0"/>
+          </a:p>
+          <a:p>
+            <a:pPr lvl="0" rtl="0">
+              <a:spcBef>
+                <a:spcPts val="0"/>
+              </a:spcBef>
+              <a:buNone/>
+            </a:pPr>
+            <a:endParaRPr lang="en-US" altLang="ja" sz="1000" dirty="0" smtClean="0"/>
+          </a:p>
+          <a:p>
+            <a:pPr lvl="0" rtl="0">
+              <a:spcBef>
+                <a:spcPts val="0"/>
+              </a:spcBef>
+              <a:buNone/>
+            </a:pPr>
+            <a:r>
+              <a:rPr lang="ja-JP" altLang="en-US" sz="1000" dirty="0" smtClean="0"/>
+              <a:t>◆拡張機能</a:t>
+            </a:r>
+            <a:r>
+              <a:rPr lang="en-US" altLang="ja-JP" sz="1000" b="1" dirty="0" smtClean="0"/>
+              <a:t>[</a:t>
+            </a:r>
+            <a:r>
+              <a:rPr lang="ja-JP" altLang="en-US" sz="1000" b="1" dirty="0" smtClean="0"/>
+              <a:t>有料</a:t>
+            </a:r>
+            <a:r>
+              <a:rPr lang="en-US" altLang="ja-JP" sz="1000" b="1" dirty="0" smtClean="0"/>
+              <a:t>](</a:t>
+            </a:r>
+            <a:r>
+              <a:rPr lang="ja-JP" altLang="en-US" sz="1000" b="1" dirty="0" smtClean="0"/>
+              <a:t>イベント</a:t>
+            </a:r>
+            <a:r>
+              <a:rPr lang="en-US" altLang="ja-JP" sz="1000" b="1" dirty="0" smtClean="0"/>
+              <a:t>1</a:t>
+            </a:r>
+            <a:r>
+              <a:rPr lang="ja-JP" altLang="en-US" sz="1000" b="1" dirty="0" smtClean="0"/>
+              <a:t>回につき課金</a:t>
+            </a:r>
+            <a:r>
+              <a:rPr lang="en-US" altLang="ja-JP" sz="1000" b="1" dirty="0" smtClean="0"/>
+              <a:t>)</a:t>
+            </a:r>
+          </a:p>
+          <a:p>
+            <a:pPr lvl="0" rtl="0">
+              <a:spcBef>
+                <a:spcPts val="0"/>
+              </a:spcBef>
+              <a:buNone/>
+            </a:pPr>
+            <a:r>
+              <a:rPr lang="ja-JP" altLang="en-US" sz="1000" dirty="0" smtClean="0"/>
+              <a:t>・画像</a:t>
+            </a:r>
+            <a:r>
+              <a:rPr lang="en-US" altLang="ja-JP" sz="1000" dirty="0" smtClean="0"/>
+              <a:t>/</a:t>
+            </a:r>
+            <a:r>
+              <a:rPr lang="ja-JP" altLang="en-US" sz="1000" dirty="0" smtClean="0"/>
+              <a:t>動画問題</a:t>
+            </a:r>
+            <a:endParaRPr lang="en-US" altLang="ja-JP" sz="1000" dirty="0" smtClean="0"/>
+          </a:p>
+          <a:p>
+            <a:pPr lvl="0" rtl="0">
+              <a:spcBef>
+                <a:spcPts val="0"/>
+              </a:spcBef>
+              <a:buNone/>
+            </a:pPr>
+            <a:r>
+              <a:rPr lang="ja-JP" altLang="en-US" sz="1000" dirty="0" smtClean="0"/>
+              <a:t>・各問題ごとの回答時間ランキング</a:t>
+            </a:r>
+            <a:endParaRPr lang="en-US" altLang="ja" sz="1000" dirty="0"/>
+          </a:p>
+          <a:p>
+            <a:pPr lvl="0" rtl="0">
+              <a:spcBef>
+                <a:spcPts val="0"/>
+              </a:spcBef>
+              <a:buNone/>
+            </a:pPr>
+            <a:r>
+              <a:rPr lang="ja-JP" altLang="en-US" sz="1000" dirty="0" smtClean="0"/>
+              <a:t>・チーム分け機能</a:t>
+            </a:r>
+            <a:endParaRPr lang="en-US" altLang="ja-JP" sz="1000" dirty="0" smtClean="0"/>
+          </a:p>
+          <a:p>
+            <a:pPr lvl="0" rtl="0">
+              <a:spcBef>
+                <a:spcPts val="0"/>
+              </a:spcBef>
+              <a:buNone/>
+            </a:pPr>
+            <a:r>
+              <a:rPr lang="ja-JP" altLang="en-US" sz="1000" dirty="0" smtClean="0"/>
+              <a:t>・デザイン機能</a:t>
+            </a:r>
+            <a:endParaRPr lang="en-US" altLang="ja-JP" sz="1000" dirty="0" smtClean="0"/>
+          </a:p>
+          <a:p>
+            <a:pPr lvl="0" rtl="0">
+              <a:spcBef>
+                <a:spcPts val="0"/>
+              </a:spcBef>
+              <a:buNone/>
+            </a:pPr>
+            <a:endParaRPr lang="en-US" altLang="ja" sz="1000" dirty="0" smtClean="0"/>
+          </a:p>
+          <a:p>
+            <a:pPr lvl="0" rtl="0">
+              <a:spcBef>
+                <a:spcPts val="0"/>
+              </a:spcBef>
+              <a:buNone/>
+            </a:pPr>
+            <a:r>
+              <a:rPr lang="ja-JP" altLang="en-US" sz="1000" dirty="0" smtClean="0"/>
+              <a:t>→プレゼン後追記</a:t>
+            </a:r>
+            <a:r>
+              <a:rPr lang="ja-JP" altLang="en-US" sz="1000" dirty="0"/>
+              <a:t>　</a:t>
+            </a:r>
+            <a:r>
+              <a:rPr lang="en-US" altLang="ja-JP" sz="1000" dirty="0" smtClean="0"/>
+              <a:t>1</a:t>
+            </a:r>
+            <a:r>
+              <a:rPr lang="ja-JP" altLang="en-US" sz="1000" dirty="0" smtClean="0"/>
+              <a:t>回あたり</a:t>
+            </a:r>
+            <a:endParaRPr lang="en-US" altLang="ja-JP" sz="1000" dirty="0" smtClean="0"/>
+          </a:p>
+          <a:p>
+            <a:pPr lvl="0" rtl="0">
+              <a:spcBef>
+                <a:spcPts val="0"/>
+              </a:spcBef>
+              <a:buNone/>
+            </a:pPr>
+            <a:r>
+              <a:rPr lang="ja-JP" altLang="en-US" sz="1000" dirty="0" smtClean="0"/>
+              <a:t>・</a:t>
+            </a:r>
+            <a:endParaRPr lang="ja" sz="1000" dirty="0"/>
+          </a:p>
+        </p:txBody>
+      </p:sp>
+      <p:sp>
+        <p:nvSpPr>
+          <p:cNvPr id="29" name="Shape 29"/>
+          <p:cNvSpPr txBox="1"/>
+          <p:nvPr/>
+        </p:nvSpPr>
+        <p:spPr>
+          <a:xfrm>
+            <a:off x="144407" y="4294323"/>
+            <a:ext cx="4399200" cy="2442900"/>
+          </a:xfrm>
+          <a:prstGeom prst="rect">
+            <a:avLst/>
+          </a:prstGeom>
+          <a:noFill/>
+          <a:ln w="9525" cap="flat">
+            <a:solidFill>
+              <a:srgbClr val="000000"/>
+            </a:solidFill>
+            <a:prstDash val="solid"/>
+            <a:round/>
+            <a:headEnd type="none" w="med" len="med"/>
+            <a:tailEnd type="none" w="med" len="med"/>
+          </a:ln>
+        </p:spPr>
+        <p:txBody>
+          <a:bodyPr lIns="91425" tIns="91425" rIns="91425" bIns="91425" anchor="t" anchorCtr="0">
+            <a:noAutofit/>
+          </a:bodyPr>
+          <a:lstStyle/>
+          <a:p>
+            <a:pPr lvl="0" rtl="0">
+              <a:spcBef>
+                <a:spcPts val="0"/>
+              </a:spcBef>
+              <a:buNone/>
+            </a:pPr>
+            <a:r>
+              <a:rPr lang="ja" sz="1000"/>
+              <a:t>7.コスト構造</a:t>
+            </a:r>
+          </a:p>
+          <a:p>
+            <a:pPr lvl="0" rtl="0">
+              <a:spcBef>
+                <a:spcPts val="0"/>
+              </a:spcBef>
+              <a:buNone/>
+            </a:pPr>
+            <a:endParaRPr sz="1000"/>
+          </a:p>
+          <a:p>
+            <a:pPr lvl="0" rtl="0">
+              <a:spcBef>
+                <a:spcPts val="0"/>
+              </a:spcBef>
+              <a:buNone/>
+            </a:pPr>
+            <a:r>
+              <a:rPr lang="ja" sz="1000"/>
+              <a:t>顧客獲得コスト</a:t>
+            </a:r>
+          </a:p>
+          <a:p>
+            <a:pPr lvl="0" rtl="0">
+              <a:spcBef>
+                <a:spcPts val="0"/>
+              </a:spcBef>
+              <a:buNone/>
+            </a:pPr>
+            <a:r>
+              <a:rPr lang="ja" sz="1000"/>
+              <a:t>流通コスト</a:t>
+            </a:r>
+          </a:p>
+          <a:p>
+            <a:pPr lvl="0" rtl="0">
+              <a:spcBef>
+                <a:spcPts val="0"/>
+              </a:spcBef>
+              <a:buNone/>
+            </a:pPr>
+            <a:r>
+              <a:rPr lang="ja" sz="1000"/>
+              <a:t>ホスティングコスト</a:t>
+            </a:r>
+          </a:p>
+          <a:p>
+            <a:pPr lvl="0" rtl="0">
+              <a:spcBef>
+                <a:spcPts val="0"/>
+              </a:spcBef>
+              <a:buNone/>
+            </a:pPr>
+            <a:r>
+              <a:rPr lang="ja" sz="1000"/>
+              <a:t>人件費など</a:t>
+            </a:r>
+          </a:p>
+        </p:txBody>
+      </p:sp>
+      <p:sp>
+        <p:nvSpPr>
+          <p:cNvPr id="30" name="Shape 30"/>
+          <p:cNvSpPr txBox="1"/>
+          <p:nvPr/>
+        </p:nvSpPr>
+        <p:spPr>
+          <a:xfrm>
+            <a:off x="1908755" y="2293510"/>
+            <a:ext cx="1764300" cy="2000999"/>
+          </a:xfrm>
+          <a:prstGeom prst="rect">
+            <a:avLst/>
+          </a:prstGeom>
+          <a:noFill/>
+          <a:ln w="9525" cap="flat">
+            <a:solidFill>
+              <a:srgbClr val="000000"/>
+            </a:solidFill>
+            <a:prstDash val="solid"/>
+            <a:round/>
+            <a:headEnd type="none" w="med" len="med"/>
+            <a:tailEnd type="none" w="med" len="med"/>
+          </a:ln>
+        </p:spPr>
+        <p:txBody>
+          <a:bodyPr lIns="91425" tIns="91425" rIns="91425" bIns="91425" anchor="t" anchorCtr="0">
+            <a:noAutofit/>
+          </a:bodyPr>
+          <a:lstStyle/>
+          <a:p>
+            <a:pPr lvl="0" rtl="0">
+              <a:spcBef>
+                <a:spcPts val="0"/>
+              </a:spcBef>
+              <a:buNone/>
+            </a:pPr>
+            <a:r>
+              <a:rPr lang="ja" sz="1000" dirty="0"/>
+              <a:t>8.主要指標</a:t>
+            </a:r>
+          </a:p>
+          <a:p>
+            <a:pPr lvl="0" rtl="0">
+              <a:spcBef>
+                <a:spcPts val="0"/>
+              </a:spcBef>
+              <a:buNone/>
+            </a:pPr>
+            <a:endParaRPr lang="en-US" sz="1000" dirty="0" smtClean="0"/>
+          </a:p>
+          <a:p>
+            <a:pPr lvl="0" rtl="0">
+              <a:spcBef>
+                <a:spcPts val="0"/>
+              </a:spcBef>
+              <a:buNone/>
+            </a:pPr>
+            <a:r>
+              <a:rPr lang="ja-JP" altLang="en-US" sz="1000" dirty="0" smtClean="0"/>
+              <a:t>・利用</a:t>
+            </a:r>
+            <a:r>
+              <a:rPr lang="ja-JP" altLang="en-US" sz="1000" dirty="0"/>
+              <a:t>回数</a:t>
+            </a:r>
+            <a:endParaRPr sz="1000" dirty="0"/>
+          </a:p>
+          <a:p>
+            <a:pPr lvl="0" rtl="0">
+              <a:spcBef>
+                <a:spcPts val="0"/>
+              </a:spcBef>
+              <a:buNone/>
+            </a:pPr>
+            <a:r>
+              <a:rPr lang="ja-JP" altLang="en-US" sz="1000" dirty="0" smtClean="0"/>
+              <a:t>・参加者数</a:t>
+            </a:r>
+            <a:endParaRPr lang="en-US" altLang="ja-JP" sz="1000" dirty="0" smtClean="0"/>
+          </a:p>
+          <a:p>
+            <a:pPr lvl="0" rtl="0">
+              <a:spcBef>
+                <a:spcPts val="0"/>
+              </a:spcBef>
+              <a:buNone/>
+            </a:pPr>
+            <a:r>
+              <a:rPr lang="ja-JP" altLang="en-US" sz="1000" dirty="0" smtClean="0"/>
+              <a:t>・アンケート</a:t>
+            </a:r>
+            <a:r>
+              <a:rPr lang="en-US" altLang="ja-JP" sz="1000" dirty="0" smtClean="0"/>
+              <a:t>to</a:t>
+            </a:r>
+            <a:r>
+              <a:rPr lang="ja-JP" altLang="en-US" sz="1000" dirty="0" smtClean="0"/>
+              <a:t>幹事</a:t>
+            </a:r>
+            <a:r>
+              <a:rPr lang="en-US" altLang="ja-JP" sz="1000" dirty="0" smtClean="0"/>
+              <a:t>(</a:t>
+            </a:r>
+            <a:r>
+              <a:rPr lang="ja-JP" altLang="en-US" sz="1000" dirty="0" smtClean="0"/>
+              <a:t>必須</a:t>
+            </a:r>
+            <a:r>
+              <a:rPr lang="en-US" altLang="ja-JP" sz="1000" dirty="0" smtClean="0"/>
+              <a:t>)</a:t>
+            </a:r>
+          </a:p>
+          <a:p>
+            <a:pPr lvl="0" rtl="0">
+              <a:spcBef>
+                <a:spcPts val="0"/>
+              </a:spcBef>
+              <a:buNone/>
+            </a:pPr>
+            <a:r>
+              <a:rPr lang="ja-JP" altLang="en-US" sz="1000" dirty="0" smtClean="0"/>
+              <a:t>・アンケート</a:t>
+            </a:r>
+            <a:r>
+              <a:rPr lang="en-US" altLang="ja-JP" sz="1000" dirty="0" smtClean="0"/>
+              <a:t>to</a:t>
+            </a:r>
+            <a:r>
+              <a:rPr lang="ja-JP" altLang="en-US" sz="1000" dirty="0" smtClean="0"/>
+              <a:t>ユーザ</a:t>
+            </a:r>
+            <a:r>
+              <a:rPr lang="en-US" altLang="ja-JP" sz="1000" dirty="0" smtClean="0"/>
+              <a:t>(</a:t>
+            </a:r>
+            <a:r>
+              <a:rPr lang="ja-JP" altLang="en-US" sz="1000" dirty="0" smtClean="0"/>
+              <a:t>任意</a:t>
+            </a:r>
+            <a:r>
+              <a:rPr lang="en-US" altLang="ja-JP" sz="1000" dirty="0" smtClean="0"/>
+              <a:t>)</a:t>
+            </a:r>
           </a:p>
           <a:p>
             <a:pPr lvl="0" rtl="0">
@@ -4912,1652 +6586,6 @@
         </p:txBody>
       </p:sp>
     </p:spTree>
-  </p:cSld>
-  <p:clrMapOvr>
-    <a:masterClrMapping/>
-  </p:clrMapOvr>
-  <p:transition spd="slow">
-    <p:cut/>
-  </p:transition>
-  <p:timing>
-    <p:tnLst>
-      <p:par>
-        <p:cTn id="1" dur="indefinite" restart="never" nodeType="tmRoot"/>
-      </p:par>
-    </p:tnLst>
-  </p:timing>
-</p:sld>
-</file>
-
-<file path=ppt/slides/slide2.xml><?xml version="1.0" encoding="utf-8"?>
-<p:sld xmlns:a="http://schemas.openxmlformats.org/drawingml/2006/main" xmlns:r="http://schemas.openxmlformats.org/officeDocument/2006/relationships" xmlns:p="http://schemas.openxmlformats.org/presentationml/2006/main">
-  <p:cSld>
-    <p:spTree>
-      <p:nvGrpSpPr>
-        <p:cNvPr id="1" name="Shape 22"/>
-        <p:cNvGrpSpPr/>
-        <p:nvPr/>
-      </p:nvGrpSpPr>
-      <p:grpSpPr>
-        <a:xfrm>
-          <a:off x="0" y="0"/>
-          <a:ext cx="0" cy="0"/>
-          <a:chOff x="0" y="0"/>
-          <a:chExt cx="0" cy="0"/>
-        </a:xfrm>
-      </p:grpSpPr>
-      <p:sp>
-        <p:nvSpPr>
-          <p:cNvPr id="23" name="Shape 23"/>
-          <p:cNvSpPr txBox="1"/>
-          <p:nvPr/>
-        </p:nvSpPr>
-        <p:spPr>
-          <a:xfrm>
-            <a:off x="143825" y="438200"/>
-            <a:ext cx="1764300" cy="3856200"/>
-          </a:xfrm>
-          <a:prstGeom prst="rect">
-            <a:avLst/>
-          </a:prstGeom>
-          <a:noFill/>
-          <a:ln w="9525" cap="flat">
-            <a:solidFill>
-              <a:srgbClr val="000000"/>
-            </a:solidFill>
-            <a:prstDash val="solid"/>
-            <a:round/>
-            <a:headEnd type="none" w="med" len="med"/>
-            <a:tailEnd type="none" w="med" len="med"/>
-          </a:ln>
-        </p:spPr>
-        <p:txBody>
-          <a:bodyPr lIns="91425" tIns="91425" rIns="91425" bIns="91425" anchor="t" anchorCtr="0">
-            <a:noAutofit/>
-          </a:bodyPr>
-          <a:lstStyle/>
-          <a:p>
-            <a:pPr lvl="0" rtl="0">
-              <a:spcBef>
-                <a:spcPts val="0"/>
-              </a:spcBef>
-              <a:buNone/>
-            </a:pPr>
-            <a:r>
-              <a:rPr lang="ja" sz="1000" dirty="0"/>
-              <a:t>1.課題</a:t>
-            </a:r>
-          </a:p>
-          <a:p>
-            <a:pPr lvl="0" rtl="0">
-              <a:spcBef>
-                <a:spcPts val="0"/>
-              </a:spcBef>
-              <a:buNone/>
-            </a:pPr>
-            <a:endParaRPr sz="1000" dirty="0"/>
-          </a:p>
-          <a:p>
-            <a:pPr lvl="0" rtl="0">
-              <a:spcBef>
-                <a:spcPts val="0"/>
-              </a:spcBef>
-              <a:buNone/>
-            </a:pPr>
-            <a:r>
-              <a:rPr lang="ja-JP" altLang="en-US" sz="1000" dirty="0" smtClean="0"/>
-              <a:t>・イベントの催し物を依頼されたが何をすべきか迷う</a:t>
-            </a:r>
-            <a:endParaRPr lang="en-US" altLang="ja-JP" sz="1000" dirty="0" smtClean="0"/>
-          </a:p>
-          <a:p>
-            <a:pPr lvl="0" rtl="0">
-              <a:spcBef>
-                <a:spcPts val="0"/>
-              </a:spcBef>
-              <a:buNone/>
-            </a:pPr>
-            <a:endParaRPr lang="en-US" altLang="ja" sz="1000" dirty="0"/>
-          </a:p>
-          <a:p>
-            <a:pPr lvl="0" rtl="0">
-              <a:spcBef>
-                <a:spcPts val="0"/>
-              </a:spcBef>
-              <a:buNone/>
-            </a:pPr>
-            <a:r>
-              <a:rPr lang="ja-JP" altLang="en-US" sz="1000" dirty="0" smtClean="0"/>
-              <a:t>・ビンゴ大会等に頼りがちになってしまう。</a:t>
-            </a:r>
-            <a:endParaRPr lang="ja" sz="1000" dirty="0"/>
-          </a:p>
-          <a:p>
-            <a:pPr lvl="0" rtl="0">
-              <a:spcBef>
-                <a:spcPts val="0"/>
-              </a:spcBef>
-              <a:buNone/>
-            </a:pPr>
-            <a:endParaRPr sz="1000" dirty="0"/>
-          </a:p>
-          <a:p>
-            <a:pPr lvl="0" rtl="0">
-              <a:spcBef>
-                <a:spcPts val="0"/>
-              </a:spcBef>
-              <a:buNone/>
-            </a:pPr>
-            <a:r>
-              <a:rPr lang="ja-JP" altLang="en-US" sz="1000" dirty="0" smtClean="0"/>
-              <a:t>・人前</a:t>
-            </a:r>
-            <a:r>
-              <a:rPr lang="ja-JP" altLang="en-US" sz="1000" dirty="0" smtClean="0"/>
-              <a:t>で話すことが苦手な人が</a:t>
-            </a:r>
-            <a:r>
-              <a:rPr lang="en-US" altLang="ja-JP" sz="1000" dirty="0" smtClean="0"/>
-              <a:t>MC</a:t>
-            </a:r>
-            <a:r>
-              <a:rPr lang="ja-JP" altLang="en-US" sz="1000" dirty="0" smtClean="0"/>
-              <a:t>をするのは大変。</a:t>
-            </a:r>
-            <a:endParaRPr sz="1000" dirty="0"/>
-          </a:p>
-          <a:p>
-            <a:pPr lvl="0" rtl="0">
-              <a:spcBef>
-                <a:spcPts val="0"/>
-              </a:spcBef>
-              <a:buNone/>
-            </a:pPr>
-            <a:endParaRPr sz="1000" dirty="0"/>
-          </a:p>
-          <a:p>
-            <a:pPr lvl="0" rtl="0">
-              <a:spcBef>
-                <a:spcPts val="0"/>
-              </a:spcBef>
-              <a:buNone/>
-            </a:pPr>
-            <a:endParaRPr sz="1000" dirty="0"/>
-          </a:p>
-          <a:p>
-            <a:pPr lvl="0" rtl="0">
-              <a:spcBef>
-                <a:spcPts val="0"/>
-              </a:spcBef>
-              <a:buNone/>
-            </a:pPr>
-            <a:r>
-              <a:rPr lang="ja" sz="900" dirty="0"/>
-              <a:t>[競合・既存の代替品</a:t>
-            </a:r>
-            <a:r>
-              <a:rPr lang="ja" sz="900" dirty="0" smtClean="0"/>
-              <a:t>]</a:t>
-            </a:r>
-            <a:endParaRPr sz="1000" dirty="0"/>
-          </a:p>
-          <a:p>
-            <a:pPr lvl="0"/>
-            <a:r>
-              <a:rPr lang="ja-JP" altLang="en-US" sz="1000" dirty="0" smtClean="0"/>
-              <a:t>・ケータイゴング</a:t>
-            </a:r>
-            <a:r>
-              <a:rPr lang="en-US" altLang="ja-JP" sz="1000" dirty="0" smtClean="0"/>
-              <a:t>for wedding</a:t>
-            </a:r>
-          </a:p>
-          <a:p>
-            <a:pPr lvl="0"/>
-            <a:r>
-              <a:rPr lang="en-US" altLang="ja-JP" sz="1000" dirty="0" smtClean="0"/>
-              <a:t>http</a:t>
-            </a:r>
-            <a:r>
-              <a:rPr lang="en-US" altLang="ja-JP" sz="1000" dirty="0"/>
-              <a:t>://wedding.keitaigong.jp/toppage/introduce/whats_keitaigong</a:t>
-            </a:r>
-            <a:endParaRPr sz="1000" dirty="0"/>
-          </a:p>
-          <a:p>
-            <a:pPr lvl="0" rtl="0">
-              <a:spcBef>
-                <a:spcPts val="0"/>
-              </a:spcBef>
-              <a:buNone/>
-            </a:pPr>
-            <a:endParaRPr sz="1000" dirty="0"/>
-          </a:p>
-        </p:txBody>
-      </p:sp>
-      <p:sp>
-        <p:nvSpPr>
-          <p:cNvPr id="24" name="Shape 24"/>
-          <p:cNvSpPr txBox="1"/>
-          <p:nvPr/>
-        </p:nvSpPr>
-        <p:spPr>
-          <a:xfrm>
-            <a:off x="1904408" y="438200"/>
-            <a:ext cx="1764300" cy="1853700"/>
-          </a:xfrm>
-          <a:prstGeom prst="rect">
-            <a:avLst/>
-          </a:prstGeom>
-          <a:noFill/>
-          <a:ln w="9525" cap="flat">
-            <a:solidFill>
-              <a:srgbClr val="000000"/>
-            </a:solidFill>
-            <a:prstDash val="solid"/>
-            <a:round/>
-            <a:headEnd type="none" w="med" len="med"/>
-            <a:tailEnd type="none" w="med" len="med"/>
-          </a:ln>
-        </p:spPr>
-        <p:txBody>
-          <a:bodyPr lIns="91425" tIns="91425" rIns="91425" bIns="91425" anchor="t" anchorCtr="0">
-            <a:noAutofit/>
-          </a:bodyPr>
-          <a:lstStyle/>
-          <a:p>
-            <a:pPr lvl="0" rtl="0">
-              <a:spcBef>
-                <a:spcPts val="0"/>
-              </a:spcBef>
-              <a:buNone/>
-            </a:pPr>
-            <a:r>
-              <a:rPr lang="ja" sz="1000" dirty="0"/>
-              <a:t>4.ソリューション</a:t>
-            </a:r>
-          </a:p>
-          <a:p>
-            <a:pPr lvl="0" rtl="0">
-              <a:spcBef>
-                <a:spcPts val="0"/>
-              </a:spcBef>
-              <a:buNone/>
-            </a:pPr>
-            <a:endParaRPr sz="1000" dirty="0"/>
-          </a:p>
-          <a:p>
-            <a:pPr lvl="0"/>
-            <a:r>
-              <a:rPr lang="ja-JP" altLang="en-US" sz="1000" dirty="0"/>
-              <a:t>・過去のイベントでのランキング</a:t>
-            </a:r>
-            <a:r>
-              <a:rPr lang="ja-JP" altLang="en-US" sz="1000" dirty="0" smtClean="0"/>
-              <a:t>表示</a:t>
-            </a:r>
-            <a:endParaRPr lang="en-US" altLang="ja-JP" sz="1000" dirty="0" smtClean="0"/>
-          </a:p>
-          <a:p>
-            <a:pPr lvl="0"/>
-            <a:r>
-              <a:rPr lang="ja-JP" altLang="en-US" sz="1000" dirty="0"/>
-              <a:t>・</a:t>
-            </a:r>
-            <a:r>
-              <a:rPr lang="ja-JP" altLang="en-US" sz="1000" dirty="0" smtClean="0"/>
-              <a:t>景品</a:t>
-            </a:r>
-            <a:r>
-              <a:rPr lang="ja-JP" altLang="en-US" sz="1000" dirty="0" smtClean="0"/>
-              <a:t>紹介機能</a:t>
-            </a:r>
-            <a:endParaRPr lang="en-US" altLang="ja-JP" sz="1000" dirty="0"/>
-          </a:p>
-          <a:p>
-            <a:pPr lvl="0"/>
-            <a:r>
-              <a:rPr lang="ja-JP" altLang="en-US" sz="1000" dirty="0"/>
-              <a:t>・</a:t>
-            </a:r>
-            <a:r>
-              <a:rPr lang="en-US" altLang="ja-JP" sz="1000" dirty="0"/>
-              <a:t>MC</a:t>
-            </a:r>
-            <a:r>
-              <a:rPr lang="ja-JP" altLang="en-US" sz="1000" dirty="0"/>
-              <a:t>サポート</a:t>
-            </a:r>
-            <a:r>
-              <a:rPr lang="ja-JP" altLang="en-US" sz="1000" dirty="0" smtClean="0"/>
-              <a:t>機能</a:t>
-            </a:r>
-            <a:r>
-              <a:rPr lang="en-US" altLang="ja-JP" sz="1000" dirty="0" smtClean="0"/>
-              <a:t>(</a:t>
-            </a:r>
-            <a:r>
-              <a:rPr lang="ja-JP" altLang="en-US" sz="1000" dirty="0" smtClean="0"/>
-              <a:t>台本等</a:t>
-            </a:r>
-            <a:r>
-              <a:rPr lang="en-US" altLang="ja-JP" sz="1000" dirty="0" smtClean="0"/>
-              <a:t>)</a:t>
-            </a:r>
-            <a:endParaRPr lang="en-US" altLang="ja-JP" sz="1000" dirty="0"/>
-          </a:p>
-          <a:p>
-            <a:pPr lvl="0"/>
-            <a:r>
-              <a:rPr lang="ja-JP" altLang="en-US" sz="1000" dirty="0" smtClean="0"/>
-              <a:t>・リピーターのためにデザインを数種類用意する</a:t>
-            </a:r>
-            <a:endParaRPr lang="en-US" altLang="ja-JP" sz="1000" dirty="0"/>
-          </a:p>
-        </p:txBody>
-      </p:sp>
-      <p:sp>
-        <p:nvSpPr>
-          <p:cNvPr id="25" name="Shape 25"/>
-          <p:cNvSpPr txBox="1"/>
-          <p:nvPr/>
-        </p:nvSpPr>
-        <p:spPr>
-          <a:xfrm>
-            <a:off x="3672976" y="438200"/>
-            <a:ext cx="1764300" cy="3856200"/>
-          </a:xfrm>
-          <a:prstGeom prst="rect">
-            <a:avLst/>
-          </a:prstGeom>
-          <a:noFill/>
-          <a:ln w="9525" cap="flat">
-            <a:solidFill>
-              <a:srgbClr val="000000"/>
-            </a:solidFill>
-            <a:prstDash val="solid"/>
-            <a:round/>
-            <a:headEnd type="none" w="med" len="med"/>
-            <a:tailEnd type="none" w="med" len="med"/>
-          </a:ln>
-        </p:spPr>
-        <p:txBody>
-          <a:bodyPr lIns="91425" tIns="91425" rIns="91425" bIns="91425" anchor="t" anchorCtr="0">
-            <a:noAutofit/>
-          </a:bodyPr>
-          <a:lstStyle/>
-          <a:p>
-            <a:pPr lvl="0" rtl="0">
-              <a:spcBef>
-                <a:spcPts val="0"/>
-              </a:spcBef>
-              <a:buNone/>
-            </a:pPr>
-            <a:r>
-              <a:rPr lang="ja" sz="1000" dirty="0"/>
-              <a:t>3.独自の価値提案</a:t>
-            </a:r>
-          </a:p>
-          <a:p>
-            <a:pPr lvl="0" rtl="0">
-              <a:spcBef>
-                <a:spcPts val="0"/>
-              </a:spcBef>
-              <a:buNone/>
-            </a:pPr>
-            <a:endParaRPr sz="1000" dirty="0"/>
-          </a:p>
-          <a:p>
-            <a:pPr lvl="0" rtl="0">
-              <a:spcBef>
-                <a:spcPts val="0"/>
-              </a:spcBef>
-              <a:buNone/>
-            </a:pPr>
-            <a:r>
-              <a:rPr lang="ja-JP" altLang="en-US" sz="1000" dirty="0" smtClean="0"/>
-              <a:t>・今夜、肩書がひとつ増えます。名幹事という名の。</a:t>
-            </a:r>
-            <a:endParaRPr lang="en-US" altLang="ja-JP" sz="1000" dirty="0" smtClean="0"/>
-          </a:p>
-          <a:p>
-            <a:pPr lvl="0" rtl="0">
-              <a:spcBef>
-                <a:spcPts val="0"/>
-              </a:spcBef>
-              <a:buNone/>
-            </a:pPr>
-            <a:endParaRPr sz="1000" dirty="0"/>
-          </a:p>
-          <a:p>
-            <a:pPr lvl="0" rtl="0">
-              <a:spcBef>
-                <a:spcPts val="0"/>
-              </a:spcBef>
-              <a:buNone/>
-            </a:pPr>
-            <a:r>
-              <a:rPr lang="ja-JP" altLang="en-US" sz="1000" dirty="0" smtClean="0"/>
-              <a:t>・趣味</a:t>
-            </a:r>
-            <a:r>
-              <a:rPr lang="ja-JP" altLang="en-US" sz="1000" dirty="0"/>
-              <a:t>＝</a:t>
-            </a:r>
-            <a:r>
-              <a:rPr lang="ja-JP" altLang="en-US" sz="1000" dirty="0" smtClean="0"/>
-              <a:t>幹事</a:t>
-            </a:r>
-            <a:endParaRPr sz="1000" dirty="0"/>
-          </a:p>
-          <a:p>
-            <a:pPr lvl="0" rtl="0">
-              <a:spcBef>
-                <a:spcPts val="0"/>
-              </a:spcBef>
-              <a:buNone/>
-            </a:pPr>
-            <a:endParaRPr lang="en-US" sz="1000" dirty="0"/>
-          </a:p>
-          <a:p>
-            <a:pPr lvl="0" rtl="0">
-              <a:spcBef>
-                <a:spcPts val="0"/>
-              </a:spcBef>
-              <a:buNone/>
-            </a:pPr>
-            <a:endParaRPr sz="1000" dirty="0"/>
-          </a:p>
-          <a:p>
-            <a:pPr lvl="0" rtl="0">
-              <a:spcBef>
-                <a:spcPts val="0"/>
-              </a:spcBef>
-              <a:buNone/>
-            </a:pPr>
-            <a:r>
-              <a:rPr lang="ja" sz="900" dirty="0"/>
-              <a:t>[リリース遅延による価値低下]</a:t>
-            </a:r>
-          </a:p>
-          <a:p>
-            <a:pPr lvl="0" rtl="0">
-              <a:spcBef>
-                <a:spcPts val="0"/>
-              </a:spcBef>
-              <a:buNone/>
-            </a:pPr>
-            <a:endParaRPr sz="1000" dirty="0"/>
-          </a:p>
-          <a:p>
-            <a:pPr lvl="0" rtl="0">
-              <a:spcBef>
-                <a:spcPts val="0"/>
-              </a:spcBef>
-              <a:buNone/>
-            </a:pPr>
-            <a:r>
-              <a:rPr lang="ja-JP" altLang="en-US" sz="1000" dirty="0"/>
-              <a:t>かき入れ</a:t>
-            </a:r>
-            <a:r>
-              <a:rPr lang="ja-JP" altLang="en-US" sz="1000" dirty="0" smtClean="0"/>
-              <a:t>時を逃す。</a:t>
-            </a:r>
-            <a:endParaRPr sz="1000" dirty="0"/>
-          </a:p>
-          <a:p>
-            <a:pPr lvl="0" rtl="0">
-              <a:spcBef>
-                <a:spcPts val="0"/>
-              </a:spcBef>
-              <a:buNone/>
-            </a:pPr>
-            <a:endParaRPr sz="1000" dirty="0"/>
-          </a:p>
-          <a:p>
-            <a:pPr lvl="0" rtl="0">
-              <a:spcBef>
-                <a:spcPts val="0"/>
-              </a:spcBef>
-              <a:buNone/>
-            </a:pPr>
-            <a:endParaRPr sz="1000" dirty="0"/>
-          </a:p>
-          <a:p>
-            <a:pPr lvl="0" rtl="0">
-              <a:spcBef>
-                <a:spcPts val="0"/>
-              </a:spcBef>
-              <a:buNone/>
-            </a:pPr>
-            <a:endParaRPr sz="1000" dirty="0"/>
-          </a:p>
-        </p:txBody>
-      </p:sp>
-      <p:sp>
-        <p:nvSpPr>
-          <p:cNvPr id="26" name="Shape 26"/>
-          <p:cNvSpPr txBox="1"/>
-          <p:nvPr/>
-        </p:nvSpPr>
-        <p:spPr>
-          <a:xfrm>
-            <a:off x="5433559" y="438200"/>
-            <a:ext cx="1764300" cy="1853700"/>
-          </a:xfrm>
-          <a:prstGeom prst="rect">
-            <a:avLst/>
-          </a:prstGeom>
-          <a:noFill/>
-          <a:ln w="9525" cap="flat">
-            <a:solidFill>
-              <a:srgbClr val="000000"/>
-            </a:solidFill>
-            <a:prstDash val="solid"/>
-            <a:round/>
-            <a:headEnd type="none" w="med" len="med"/>
-            <a:tailEnd type="none" w="med" len="med"/>
-          </a:ln>
-        </p:spPr>
-        <p:txBody>
-          <a:bodyPr lIns="91425" tIns="91425" rIns="91425" bIns="91425" anchor="t" anchorCtr="0">
-            <a:noAutofit/>
-          </a:bodyPr>
-          <a:lstStyle/>
-          <a:p>
-            <a:pPr lvl="0" rtl="0">
-              <a:spcBef>
-                <a:spcPts val="0"/>
-              </a:spcBef>
-              <a:buNone/>
-            </a:pPr>
-            <a:r>
-              <a:rPr lang="ja" sz="1000" dirty="0"/>
-              <a:t>9.圧倒的な</a:t>
-            </a:r>
-            <a:r>
-              <a:rPr lang="ja" sz="1000" dirty="0" smtClean="0"/>
-              <a:t>優位性</a:t>
-            </a:r>
-            <a:endParaRPr lang="en-US" altLang="ja" sz="1000" dirty="0" smtClean="0"/>
-          </a:p>
-          <a:p>
-            <a:pPr lvl="0" rtl="0">
-              <a:spcBef>
-                <a:spcPts val="0"/>
-              </a:spcBef>
-              <a:buNone/>
-            </a:pPr>
-            <a:endParaRPr lang="en-US" altLang="ja" sz="1000" dirty="0"/>
-          </a:p>
-          <a:p>
-            <a:pPr lvl="0" rtl="0">
-              <a:spcBef>
-                <a:spcPts val="0"/>
-              </a:spcBef>
-              <a:buNone/>
-            </a:pPr>
-            <a:r>
-              <a:rPr lang="ja-JP" altLang="en-US" sz="1000" dirty="0" smtClean="0"/>
-              <a:t>・クオリティや</a:t>
-            </a:r>
-            <a:r>
-              <a:rPr lang="en-US" altLang="ja-JP" sz="1000" dirty="0" smtClean="0"/>
-              <a:t>MC</a:t>
-            </a:r>
-            <a:r>
-              <a:rPr lang="ja-JP" altLang="en-US" sz="1000" dirty="0" smtClean="0"/>
-              <a:t>サポート機能によって、幹事目線に立ったサービスで幹事からの支持を得ます</a:t>
-            </a:r>
-            <a:r>
-              <a:rPr lang="ja-JP" altLang="en-US" sz="1000" dirty="0" smtClean="0"/>
-              <a:t>。</a:t>
-            </a:r>
-            <a:endParaRPr lang="en-US" altLang="ja-JP" sz="1000" dirty="0" smtClean="0"/>
-          </a:p>
-        </p:txBody>
-      </p:sp>
-      <p:sp>
-        <p:nvSpPr>
-          <p:cNvPr id="27" name="Shape 27"/>
-          <p:cNvSpPr txBox="1"/>
-          <p:nvPr/>
-        </p:nvSpPr>
-        <p:spPr>
-          <a:xfrm>
-            <a:off x="7202127" y="438200"/>
-            <a:ext cx="1764300" cy="3856200"/>
-          </a:xfrm>
-          <a:prstGeom prst="rect">
-            <a:avLst/>
-          </a:prstGeom>
-          <a:noFill/>
-          <a:ln w="9525" cap="flat">
-            <a:solidFill>
-              <a:srgbClr val="000000"/>
-            </a:solidFill>
-            <a:prstDash val="solid"/>
-            <a:round/>
-            <a:headEnd type="none" w="med" len="med"/>
-            <a:tailEnd type="none" w="med" len="med"/>
-          </a:ln>
-        </p:spPr>
-        <p:txBody>
-          <a:bodyPr lIns="91425" tIns="91425" rIns="91425" bIns="91425" anchor="t" anchorCtr="0">
-            <a:noAutofit/>
-          </a:bodyPr>
-          <a:lstStyle/>
-          <a:p>
-            <a:pPr lvl="0" rtl="0">
-              <a:spcBef>
-                <a:spcPts val="0"/>
-              </a:spcBef>
-              <a:buNone/>
-            </a:pPr>
-            <a:r>
-              <a:rPr lang="ja" sz="1000" dirty="0"/>
-              <a:t>2.顧客セグメント</a:t>
-            </a:r>
-          </a:p>
-          <a:p>
-            <a:pPr lvl="0" rtl="0">
-              <a:spcBef>
-                <a:spcPts val="0"/>
-              </a:spcBef>
-              <a:buNone/>
-            </a:pPr>
-            <a:endParaRPr lang="en-US" altLang="ja-JP" sz="1000" dirty="0"/>
-          </a:p>
-          <a:p>
-            <a:pPr lvl="0" rtl="0">
-              <a:spcBef>
-                <a:spcPts val="0"/>
-              </a:spcBef>
-              <a:buNone/>
-            </a:pPr>
-            <a:r>
-              <a:rPr lang="ja-JP" altLang="en-US" sz="1000" dirty="0" smtClean="0"/>
-              <a:t>いつもと違った催し物をする必要がある幹事</a:t>
-            </a:r>
-            <a:endParaRPr sz="1000" dirty="0"/>
-          </a:p>
-          <a:p>
-            <a:pPr lvl="0" rtl="0">
-              <a:spcBef>
-                <a:spcPts val="0"/>
-              </a:spcBef>
-              <a:buNone/>
-            </a:pPr>
-            <a:endParaRPr sz="1000" dirty="0"/>
-          </a:p>
-          <a:p>
-            <a:pPr lvl="0" rtl="0">
-              <a:spcBef>
-                <a:spcPts val="0"/>
-              </a:spcBef>
-              <a:buNone/>
-            </a:pPr>
-            <a:endParaRPr sz="1000" dirty="0"/>
-          </a:p>
-          <a:p>
-            <a:pPr lvl="0" rtl="0">
-              <a:spcBef>
-                <a:spcPts val="0"/>
-              </a:spcBef>
-              <a:buNone/>
-            </a:pPr>
-            <a:r>
-              <a:rPr lang="ja" sz="900" dirty="0"/>
-              <a:t>[アーリーアダプター</a:t>
-            </a:r>
-            <a:r>
-              <a:rPr lang="ja" sz="900" dirty="0" smtClean="0"/>
-              <a:t>]</a:t>
-            </a:r>
-            <a:endParaRPr lang="en-US" altLang="ja" sz="900" dirty="0" smtClean="0"/>
-          </a:p>
-          <a:p>
-            <a:pPr lvl="0" rtl="0">
-              <a:spcBef>
-                <a:spcPts val="0"/>
-              </a:spcBef>
-              <a:buNone/>
-            </a:pPr>
-            <a:r>
-              <a:rPr lang="ja-JP" altLang="en-US" sz="900" dirty="0" smtClean="0"/>
-              <a:t>・忘年会、ハロウィンパーティ、クリスマスパーティの主催者</a:t>
-            </a:r>
-            <a:endParaRPr lang="en-US" altLang="ja-JP" sz="900" dirty="0" smtClean="0"/>
-          </a:p>
-          <a:p>
-            <a:pPr lvl="0" rtl="0">
-              <a:spcBef>
-                <a:spcPts val="0"/>
-              </a:spcBef>
-              <a:buNone/>
-            </a:pPr>
-            <a:endParaRPr lang="en-US" altLang="ja-JP" sz="900" dirty="0"/>
-          </a:p>
-          <a:p>
-            <a:pPr lvl="0" rtl="0">
-              <a:spcBef>
-                <a:spcPts val="0"/>
-              </a:spcBef>
-              <a:buNone/>
-            </a:pPr>
-            <a:r>
-              <a:rPr lang="ja-JP" altLang="en-US" sz="900" dirty="0" smtClean="0"/>
-              <a:t>・毎年ビンゴをしてそろそろ飽きてきた団体での飲み会の幹事</a:t>
-            </a:r>
-            <a:endParaRPr lang="en-US" altLang="ja-JP" sz="900" dirty="0" smtClean="0"/>
-          </a:p>
-        </p:txBody>
-      </p:sp>
-      <p:sp>
-        <p:nvSpPr>
-          <p:cNvPr id="28" name="Shape 28"/>
-          <p:cNvSpPr txBox="1"/>
-          <p:nvPr/>
-        </p:nvSpPr>
-        <p:spPr>
-          <a:xfrm>
-            <a:off x="4540050" y="4294323"/>
-            <a:ext cx="4423200" cy="2442900"/>
-          </a:xfrm>
-          <a:prstGeom prst="rect">
-            <a:avLst/>
-          </a:prstGeom>
-          <a:noFill/>
-          <a:ln w="9525" cap="flat">
-            <a:solidFill>
-              <a:srgbClr val="000000"/>
-            </a:solidFill>
-            <a:prstDash val="solid"/>
-            <a:round/>
-            <a:headEnd type="none" w="med" len="med"/>
-            <a:tailEnd type="none" w="med" len="med"/>
-          </a:ln>
-        </p:spPr>
-        <p:txBody>
-          <a:bodyPr lIns="91425" tIns="91425" rIns="91425" bIns="91425" anchor="t" anchorCtr="0">
-            <a:noAutofit/>
-          </a:bodyPr>
-          <a:lstStyle/>
-          <a:p>
-            <a:pPr lvl="0" rtl="0">
-              <a:spcBef>
-                <a:spcPts val="0"/>
-              </a:spcBef>
-              <a:buNone/>
-            </a:pPr>
-            <a:r>
-              <a:rPr lang="ja" sz="1000" dirty="0"/>
-              <a:t>6.収入の</a:t>
-            </a:r>
-            <a:r>
-              <a:rPr lang="ja" sz="1000" dirty="0" smtClean="0"/>
-              <a:t>流れ</a:t>
-            </a:r>
-            <a:endParaRPr lang="en-US" sz="1000" dirty="0" smtClean="0"/>
-          </a:p>
-          <a:p>
-            <a:pPr lvl="0" rtl="0">
-              <a:spcBef>
-                <a:spcPts val="0"/>
-              </a:spcBef>
-              <a:buNone/>
-            </a:pPr>
-            <a:r>
-              <a:rPr lang="ja-JP" altLang="en-US" sz="1000" dirty="0"/>
-              <a:t>◆</a:t>
-            </a:r>
-            <a:r>
-              <a:rPr lang="ja-JP" altLang="en-US" sz="1000" dirty="0" smtClean="0"/>
-              <a:t>基本機能</a:t>
-            </a:r>
-            <a:r>
-              <a:rPr lang="en-US" altLang="ja-JP" sz="1000" b="1" dirty="0" smtClean="0"/>
-              <a:t>[</a:t>
-            </a:r>
-            <a:r>
-              <a:rPr lang="ja-JP" altLang="en-US" sz="1000" b="1" dirty="0" smtClean="0"/>
-              <a:t>無料</a:t>
-            </a:r>
-            <a:r>
-              <a:rPr lang="en-US" altLang="ja-JP" sz="1000" b="1" dirty="0" smtClean="0"/>
-              <a:t>]</a:t>
-            </a:r>
-            <a:endParaRPr sz="1000" b="1" dirty="0"/>
-          </a:p>
-          <a:p>
-            <a:pPr lvl="0" rtl="0">
-              <a:spcBef>
-                <a:spcPts val="0"/>
-              </a:spcBef>
-              <a:buNone/>
-            </a:pPr>
-            <a:r>
-              <a:rPr lang="ja-JP" altLang="en-US" sz="1000" dirty="0" smtClean="0"/>
-              <a:t>・問題作成</a:t>
-            </a:r>
-            <a:endParaRPr lang="en-US" altLang="ja-JP" sz="1000" dirty="0"/>
-          </a:p>
-          <a:p>
-            <a:pPr lvl="0"/>
-            <a:r>
-              <a:rPr lang="ja-JP" altLang="en-US" sz="1000" dirty="0"/>
-              <a:t>・各問題ごとの回答時間ランキング</a:t>
-            </a:r>
-            <a:endParaRPr lang="en-US" altLang="ja" sz="1000" dirty="0"/>
-          </a:p>
-          <a:p>
-            <a:pPr lvl="0"/>
-            <a:r>
-              <a:rPr lang="ja-JP" altLang="en-US" sz="1000" dirty="0"/>
-              <a:t>・チーム分け機能</a:t>
-            </a:r>
-            <a:endParaRPr lang="en-US" altLang="ja-JP" sz="1000" dirty="0"/>
-          </a:p>
-          <a:p>
-            <a:pPr lvl="0"/>
-            <a:r>
-              <a:rPr lang="ja-JP" altLang="en-US" sz="1000" dirty="0"/>
-              <a:t>・デザイン機能</a:t>
-            </a:r>
-            <a:endParaRPr lang="ja" altLang="ja-JP" sz="1000" dirty="0"/>
-          </a:p>
-          <a:p>
-            <a:pPr lvl="0" rtl="0">
-              <a:spcBef>
-                <a:spcPts val="0"/>
-              </a:spcBef>
-              <a:buNone/>
-            </a:pPr>
-            <a:endParaRPr lang="en-US" altLang="ja" sz="1000" dirty="0" smtClean="0"/>
-          </a:p>
-          <a:p>
-            <a:pPr lvl="0" rtl="0">
-              <a:spcBef>
-                <a:spcPts val="0"/>
-              </a:spcBef>
-              <a:buNone/>
-            </a:pPr>
-            <a:r>
-              <a:rPr lang="ja-JP" altLang="en-US" sz="1000" dirty="0" smtClean="0"/>
-              <a:t>◆</a:t>
-            </a:r>
-            <a:r>
-              <a:rPr lang="ja-JP" altLang="en-US" sz="1000" dirty="0" smtClean="0"/>
-              <a:t>プレゼン</a:t>
-            </a:r>
-            <a:r>
-              <a:rPr lang="en-US" altLang="ja-JP" sz="1000" dirty="0" smtClean="0"/>
-              <a:t>1</a:t>
-            </a:r>
-            <a:r>
-              <a:rPr lang="ja-JP" altLang="en-US" sz="1000" dirty="0" smtClean="0"/>
-              <a:t>回</a:t>
-            </a:r>
-            <a:r>
-              <a:rPr lang="en-US" altLang="ja-JP" sz="1000" dirty="0" smtClean="0"/>
-              <a:t>(3h)</a:t>
-            </a:r>
-            <a:r>
-              <a:rPr lang="ja-JP" altLang="en-US" sz="1000" dirty="0" smtClean="0"/>
-              <a:t>につき</a:t>
-            </a:r>
-            <a:r>
-              <a:rPr lang="en-US" altLang="ja-JP" sz="1000" b="1" dirty="0" smtClean="0"/>
-              <a:t>[</a:t>
-            </a:r>
-            <a:r>
-              <a:rPr lang="ja-JP" altLang="en-US" sz="1000" b="1" dirty="0" smtClean="0"/>
-              <a:t>有料</a:t>
-            </a:r>
-            <a:r>
-              <a:rPr lang="en-US" altLang="ja-JP" sz="1000" b="1" dirty="0" smtClean="0"/>
-              <a:t>]\10,000</a:t>
-            </a:r>
-          </a:p>
-          <a:p>
-            <a:pPr lvl="0"/>
-            <a:r>
-              <a:rPr lang="ja-JP" altLang="en-US" sz="1000" dirty="0"/>
-              <a:t>・</a:t>
-            </a:r>
-            <a:r>
-              <a:rPr lang="ja-JP" altLang="en-US" sz="1000" dirty="0" smtClean="0"/>
-              <a:t>集計、回答、最終ランキング</a:t>
-            </a:r>
-            <a:endParaRPr lang="en-US" altLang="ja-JP" sz="1000" b="1" dirty="0" smtClean="0"/>
-          </a:p>
-          <a:p>
-            <a:pPr lvl="0" rtl="0">
-              <a:spcBef>
-                <a:spcPts val="0"/>
-              </a:spcBef>
-              <a:buNone/>
-            </a:pPr>
-            <a:endParaRPr lang="en-US" altLang="ja-JP" sz="1000" b="1" dirty="0" smtClean="0"/>
-          </a:p>
-          <a:p>
-            <a:pPr lvl="0" rtl="0">
-              <a:spcBef>
-                <a:spcPts val="0"/>
-              </a:spcBef>
-              <a:buNone/>
-            </a:pPr>
-            <a:r>
-              <a:rPr lang="ja-JP" altLang="en-US" sz="1000" dirty="0" smtClean="0"/>
-              <a:t>年間婚姻組数</a:t>
-            </a:r>
-            <a:r>
-              <a:rPr lang="en-US" altLang="ja-JP" sz="1000" dirty="0" smtClean="0"/>
-              <a:t>650,000</a:t>
-            </a:r>
-            <a:r>
-              <a:rPr lang="ja-JP" altLang="en-US" sz="1000" dirty="0" smtClean="0"/>
-              <a:t>組 </a:t>
-            </a:r>
-            <a:r>
-              <a:rPr lang="en-US" altLang="ja-JP" sz="1000" dirty="0" smtClean="0"/>
-              <a:t>x 60% = 390,000(</a:t>
-            </a:r>
-            <a:r>
-              <a:rPr lang="ja-JP" altLang="en-US" sz="1000" dirty="0" smtClean="0"/>
-              <a:t>結婚式をする組数</a:t>
-            </a:r>
-            <a:r>
-              <a:rPr lang="en-US" altLang="ja-JP" sz="1000" dirty="0" smtClean="0"/>
-              <a:t>)</a:t>
-            </a:r>
-          </a:p>
-          <a:p>
-            <a:pPr lvl="0" rtl="0">
-              <a:spcBef>
-                <a:spcPts val="0"/>
-              </a:spcBef>
-              <a:buNone/>
-            </a:pPr>
-            <a:r>
-              <a:rPr lang="en-US" altLang="ja-JP" sz="1000" dirty="0" smtClean="0"/>
-              <a:t>390,000 x 0.1% = 390</a:t>
-            </a:r>
-            <a:r>
-              <a:rPr lang="ja-JP" altLang="en-US" sz="1000" dirty="0" smtClean="0"/>
-              <a:t>組が使用する　→</a:t>
-            </a:r>
-            <a:r>
-              <a:rPr lang="en-US" altLang="ja-JP" sz="1000" dirty="0" smtClean="0"/>
-              <a:t>390</a:t>
-            </a:r>
-            <a:r>
-              <a:rPr lang="ja-JP" altLang="en-US" sz="1000" dirty="0" smtClean="0"/>
-              <a:t>万</a:t>
-            </a:r>
-            <a:r>
-              <a:rPr lang="en-US" altLang="ja-JP" sz="1000" dirty="0" smtClean="0"/>
-              <a:t>/</a:t>
-            </a:r>
-            <a:r>
-              <a:rPr lang="ja-JP" altLang="en-US" sz="1000" dirty="0" smtClean="0"/>
-              <a:t>年</a:t>
-            </a:r>
-            <a:endParaRPr lang="en-US" altLang="ja-JP" sz="1000" dirty="0" smtClean="0"/>
-          </a:p>
-          <a:p>
-            <a:pPr lvl="0" rtl="0">
-              <a:spcBef>
-                <a:spcPts val="0"/>
-              </a:spcBef>
-              <a:buNone/>
-            </a:pPr>
-            <a:r>
-              <a:rPr lang="ja-JP" altLang="en-US" sz="1000" dirty="0" smtClean="0"/>
-              <a:t>＋忘年会等のイベントでの使用</a:t>
-            </a:r>
-            <a:endParaRPr lang="en-US" altLang="ja-JP" sz="1000" dirty="0" smtClean="0"/>
-          </a:p>
-          <a:p>
-            <a:pPr lvl="0" rtl="0">
-              <a:spcBef>
-                <a:spcPts val="0"/>
-              </a:spcBef>
-              <a:buNone/>
-            </a:pPr>
-            <a:endParaRPr lang="en-US" altLang="ja-JP" sz="1000" b="1" dirty="0"/>
-          </a:p>
-          <a:p>
-            <a:pPr lvl="0" rtl="0">
-              <a:spcBef>
-                <a:spcPts val="0"/>
-              </a:spcBef>
-              <a:buNone/>
-            </a:pPr>
-            <a:r>
-              <a:rPr lang="ja-JP" altLang="en-US" sz="1000" b="1" dirty="0" smtClean="0"/>
-              <a:t>◆</a:t>
-            </a:r>
-            <a:r>
-              <a:rPr lang="ja-JP" altLang="en-US" sz="1000" dirty="0" smtClean="0"/>
-              <a:t>広告収入</a:t>
-            </a:r>
-            <a:r>
-              <a:rPr lang="en-US" altLang="ja-JP" sz="1000" dirty="0" smtClean="0"/>
-              <a:t>(</a:t>
-            </a:r>
-            <a:r>
-              <a:rPr lang="en-US" altLang="ja-JP" sz="1000" dirty="0" err="1" smtClean="0"/>
-              <a:t>googleads</a:t>
-            </a:r>
-            <a:r>
-              <a:rPr lang="ja-JP" altLang="en-US" sz="1000" dirty="0" smtClean="0"/>
-              <a:t>等</a:t>
-            </a:r>
-            <a:r>
-              <a:rPr lang="en-US" altLang="ja-JP" sz="1000" dirty="0" smtClean="0"/>
-              <a:t>)</a:t>
-            </a:r>
-            <a:endParaRPr lang="en-US" altLang="ja-JP" sz="1000" dirty="0" smtClean="0"/>
-          </a:p>
-        </p:txBody>
-      </p:sp>
-      <p:sp>
-        <p:nvSpPr>
-          <p:cNvPr id="29" name="Shape 29"/>
-          <p:cNvSpPr txBox="1"/>
-          <p:nvPr/>
-        </p:nvSpPr>
-        <p:spPr>
-          <a:xfrm>
-            <a:off x="144407" y="4294323"/>
-            <a:ext cx="4399200" cy="2442900"/>
-          </a:xfrm>
-          <a:prstGeom prst="rect">
-            <a:avLst/>
-          </a:prstGeom>
-          <a:noFill/>
-          <a:ln w="9525" cap="flat">
-            <a:solidFill>
-              <a:srgbClr val="000000"/>
-            </a:solidFill>
-            <a:prstDash val="solid"/>
-            <a:round/>
-            <a:headEnd type="none" w="med" len="med"/>
-            <a:tailEnd type="none" w="med" len="med"/>
-          </a:ln>
-        </p:spPr>
-        <p:txBody>
-          <a:bodyPr lIns="91425" tIns="91425" rIns="91425" bIns="91425" anchor="t" anchorCtr="0">
-            <a:noAutofit/>
-          </a:bodyPr>
-          <a:lstStyle/>
-          <a:p>
-            <a:pPr lvl="0" rtl="0">
-              <a:spcBef>
-                <a:spcPts val="0"/>
-              </a:spcBef>
-              <a:buNone/>
-            </a:pPr>
-            <a:r>
-              <a:rPr lang="ja" sz="1000" dirty="0"/>
-              <a:t>7.コスト構造</a:t>
-            </a:r>
-          </a:p>
-          <a:p>
-            <a:pPr lvl="0" rtl="0">
-              <a:spcBef>
-                <a:spcPts val="0"/>
-              </a:spcBef>
-              <a:buNone/>
-            </a:pPr>
-            <a:endParaRPr sz="1000" dirty="0"/>
-          </a:p>
-          <a:p>
-            <a:pPr lvl="0" rtl="0">
-              <a:spcBef>
-                <a:spcPts val="0"/>
-              </a:spcBef>
-              <a:buNone/>
-            </a:pPr>
-            <a:r>
-              <a:rPr lang="ja" sz="1000" dirty="0"/>
-              <a:t>顧客獲得</a:t>
-            </a:r>
-            <a:r>
-              <a:rPr lang="ja" sz="1000" dirty="0" smtClean="0"/>
-              <a:t>コスト</a:t>
-            </a:r>
-            <a:endParaRPr lang="en-US" altLang="ja" sz="1000" dirty="0" smtClean="0"/>
-          </a:p>
-          <a:p>
-            <a:pPr lvl="0" rtl="0">
-              <a:spcBef>
-                <a:spcPts val="0"/>
-              </a:spcBef>
-              <a:buNone/>
-            </a:pPr>
-            <a:r>
-              <a:rPr lang="ja-JP" altLang="en-US" sz="1000" dirty="0" smtClean="0"/>
-              <a:t>→キャンペーン用の告知費用</a:t>
-            </a:r>
-            <a:endParaRPr lang="ja" sz="1000" dirty="0"/>
-          </a:p>
-          <a:p>
-            <a:pPr lvl="0" rtl="0">
-              <a:spcBef>
-                <a:spcPts val="0"/>
-              </a:spcBef>
-              <a:buNone/>
-            </a:pPr>
-            <a:r>
-              <a:rPr lang="ja" sz="1000" dirty="0"/>
-              <a:t>流通コスト</a:t>
-            </a:r>
-          </a:p>
-          <a:p>
-            <a:pPr lvl="0" rtl="0">
-              <a:spcBef>
-                <a:spcPts val="0"/>
-              </a:spcBef>
-              <a:buNone/>
-            </a:pPr>
-            <a:r>
-              <a:rPr lang="ja-JP" altLang="en-US" sz="1000" dirty="0" smtClean="0"/>
-              <a:t>→</a:t>
-            </a:r>
-            <a:r>
-              <a:rPr lang="ja-JP" altLang="en-US" sz="1000" dirty="0" err="1" smtClean="0"/>
-              <a:t>無し</a:t>
-            </a:r>
-            <a:endParaRPr lang="en-US" altLang="ja" sz="1000" dirty="0" smtClean="0"/>
-          </a:p>
-          <a:p>
-            <a:pPr lvl="0" rtl="0">
-              <a:spcBef>
-                <a:spcPts val="0"/>
-              </a:spcBef>
-              <a:buNone/>
-            </a:pPr>
-            <a:r>
-              <a:rPr lang="ja" sz="1000" dirty="0" smtClean="0"/>
-              <a:t>ホスティングコスト</a:t>
-            </a:r>
-            <a:endParaRPr lang="ja" sz="1000" dirty="0"/>
-          </a:p>
-          <a:p>
-            <a:pPr lvl="0" rtl="0">
-              <a:spcBef>
-                <a:spcPts val="0"/>
-              </a:spcBef>
-              <a:buNone/>
-            </a:pPr>
-            <a:r>
-              <a:rPr lang="ja-JP" altLang="en-US" sz="1000" dirty="0" smtClean="0"/>
-              <a:t>→サーバ</a:t>
-            </a:r>
-            <a:r>
-              <a:rPr lang="en-US" altLang="ja-JP" sz="1000" dirty="0" smtClean="0"/>
-              <a:t>(</a:t>
-            </a:r>
-            <a:r>
-              <a:rPr lang="en-US" altLang="ja-JP" sz="1000" dirty="0"/>
-              <a:t>30</a:t>
-            </a:r>
-            <a:r>
-              <a:rPr lang="ja-JP" altLang="en-US" sz="1000" dirty="0" smtClean="0"/>
-              <a:t>万</a:t>
-            </a:r>
-            <a:r>
-              <a:rPr lang="en-US" altLang="ja-JP" sz="1000" dirty="0" smtClean="0"/>
-              <a:t>/</a:t>
-            </a:r>
-            <a:r>
-              <a:rPr lang="ja-JP" altLang="en-US" sz="1000" dirty="0" smtClean="0"/>
-              <a:t>年</a:t>
-            </a:r>
-            <a:r>
-              <a:rPr lang="en-US" altLang="ja-JP" sz="1000" dirty="0" smtClean="0"/>
-              <a:t>)</a:t>
-            </a:r>
-            <a:endParaRPr lang="en-US" altLang="ja" sz="1000" dirty="0" smtClean="0"/>
-          </a:p>
-          <a:p>
-            <a:pPr lvl="0" rtl="0">
-              <a:spcBef>
-                <a:spcPts val="0"/>
-              </a:spcBef>
-              <a:buNone/>
-            </a:pPr>
-            <a:r>
-              <a:rPr lang="ja" sz="1000" dirty="0" smtClean="0"/>
-              <a:t>人件費など</a:t>
-            </a:r>
-            <a:endParaRPr lang="en-US" altLang="ja-JP" sz="1000" dirty="0" smtClean="0"/>
-          </a:p>
-          <a:p>
-            <a:pPr lvl="0" rtl="0">
-              <a:spcBef>
-                <a:spcPts val="0"/>
-              </a:spcBef>
-              <a:buNone/>
-            </a:pPr>
-            <a:r>
-              <a:rPr lang="ja-JP" altLang="en-US" sz="1000" dirty="0" smtClean="0"/>
-              <a:t>→運用費</a:t>
-            </a:r>
-            <a:r>
-              <a:rPr lang="en-US" altLang="ja-JP" sz="1000" dirty="0" smtClean="0"/>
-              <a:t>(360</a:t>
-            </a:r>
-            <a:r>
-              <a:rPr lang="ja-JP" altLang="en-US" sz="1000" dirty="0" smtClean="0"/>
-              <a:t>万</a:t>
-            </a:r>
-            <a:r>
-              <a:rPr lang="en-US" altLang="ja-JP" sz="1000" dirty="0" smtClean="0"/>
-              <a:t>/</a:t>
-            </a:r>
-            <a:r>
-              <a:rPr lang="ja-JP" altLang="en-US" sz="1000" dirty="0" smtClean="0"/>
-              <a:t>年</a:t>
-            </a:r>
-            <a:r>
-              <a:rPr lang="en-US" altLang="ja-JP" sz="1000" dirty="0" smtClean="0"/>
-              <a:t>)</a:t>
-            </a:r>
-            <a:endParaRPr lang="ja" sz="1000" dirty="0"/>
-          </a:p>
-        </p:txBody>
-      </p:sp>
-      <p:sp>
-        <p:nvSpPr>
-          <p:cNvPr id="30" name="Shape 30"/>
-          <p:cNvSpPr txBox="1"/>
-          <p:nvPr/>
-        </p:nvSpPr>
-        <p:spPr>
-          <a:xfrm>
-            <a:off x="1908755" y="2293510"/>
-            <a:ext cx="1764300" cy="2000999"/>
-          </a:xfrm>
-          <a:prstGeom prst="rect">
-            <a:avLst/>
-          </a:prstGeom>
-          <a:noFill/>
-          <a:ln w="9525" cap="flat">
-            <a:solidFill>
-              <a:srgbClr val="000000"/>
-            </a:solidFill>
-            <a:prstDash val="solid"/>
-            <a:round/>
-            <a:headEnd type="none" w="med" len="med"/>
-            <a:tailEnd type="none" w="med" len="med"/>
-          </a:ln>
-        </p:spPr>
-        <p:txBody>
-          <a:bodyPr lIns="91425" tIns="91425" rIns="91425" bIns="91425" anchor="t" anchorCtr="0">
-            <a:noAutofit/>
-          </a:bodyPr>
-          <a:lstStyle/>
-          <a:p>
-            <a:pPr lvl="0" rtl="0">
-              <a:spcBef>
-                <a:spcPts val="0"/>
-              </a:spcBef>
-              <a:buNone/>
-            </a:pPr>
-            <a:r>
-              <a:rPr lang="ja" sz="1000" dirty="0"/>
-              <a:t>8.主要指標</a:t>
-            </a:r>
-          </a:p>
-          <a:p>
-            <a:pPr lvl="0" rtl="0">
-              <a:spcBef>
-                <a:spcPts val="0"/>
-              </a:spcBef>
-              <a:buNone/>
-            </a:pPr>
-            <a:endParaRPr lang="en-US" sz="1000" dirty="0" smtClean="0"/>
-          </a:p>
-          <a:p>
-            <a:pPr lvl="0" rtl="0">
-              <a:spcBef>
-                <a:spcPts val="0"/>
-              </a:spcBef>
-              <a:buNone/>
-            </a:pPr>
-            <a:r>
-              <a:rPr lang="ja-JP" altLang="en-US" sz="1000" dirty="0" smtClean="0"/>
-              <a:t>・利用</a:t>
-            </a:r>
-            <a:r>
-              <a:rPr lang="ja-JP" altLang="en-US" sz="1000" dirty="0"/>
-              <a:t>回数</a:t>
-            </a:r>
-            <a:endParaRPr sz="1000" dirty="0"/>
-          </a:p>
-          <a:p>
-            <a:pPr lvl="0" rtl="0">
-              <a:spcBef>
-                <a:spcPts val="0"/>
-              </a:spcBef>
-              <a:buNone/>
-            </a:pPr>
-            <a:r>
-              <a:rPr lang="ja-JP" altLang="en-US" sz="1000" dirty="0" smtClean="0"/>
-              <a:t>・</a:t>
-            </a:r>
-            <a:r>
-              <a:rPr lang="ja-JP" altLang="en-US" sz="1000" dirty="0" smtClean="0"/>
-              <a:t>参加者数</a:t>
-            </a:r>
-            <a:endParaRPr lang="en-US" altLang="ja-JP" sz="1000" dirty="0" smtClean="0"/>
-          </a:p>
-          <a:p>
-            <a:pPr lvl="0" rtl="0">
-              <a:spcBef>
-                <a:spcPts val="0"/>
-              </a:spcBef>
-              <a:buNone/>
-            </a:pPr>
-            <a:r>
-              <a:rPr lang="ja-JP" altLang="en-US" sz="1000" dirty="0" smtClean="0"/>
-              <a:t>・アンケート</a:t>
-            </a:r>
-            <a:r>
-              <a:rPr lang="en-US" altLang="ja-JP" sz="1000" dirty="0" smtClean="0"/>
-              <a:t>to</a:t>
-            </a:r>
-            <a:r>
-              <a:rPr lang="ja-JP" altLang="en-US" sz="1000" dirty="0" smtClean="0"/>
-              <a:t>幹事</a:t>
-            </a:r>
-            <a:r>
-              <a:rPr lang="en-US" altLang="ja-JP" sz="1000" dirty="0" smtClean="0"/>
-              <a:t>(</a:t>
-            </a:r>
-            <a:r>
-              <a:rPr lang="ja-JP" altLang="en-US" sz="1000" dirty="0" smtClean="0"/>
-              <a:t>必須</a:t>
-            </a:r>
-            <a:r>
-              <a:rPr lang="en-US" altLang="ja-JP" sz="1000" dirty="0" smtClean="0"/>
-              <a:t>)</a:t>
-            </a:r>
-          </a:p>
-          <a:p>
-            <a:pPr lvl="0" rtl="0">
-              <a:spcBef>
-                <a:spcPts val="0"/>
-              </a:spcBef>
-              <a:buNone/>
-            </a:pPr>
-            <a:r>
-              <a:rPr lang="ja-JP" altLang="en-US" sz="1000" dirty="0" smtClean="0"/>
-              <a:t>　→満足度</a:t>
-            </a:r>
-            <a:r>
-              <a:rPr lang="en-US" altLang="ja-JP" sz="1000" dirty="0" smtClean="0"/>
-              <a:t>(</a:t>
-            </a:r>
-            <a:r>
-              <a:rPr lang="ja-JP" altLang="en-US" sz="1000" dirty="0" smtClean="0"/>
-              <a:t>８０％</a:t>
-            </a:r>
-            <a:r>
-              <a:rPr lang="ja-JP" altLang="en-US" sz="1000" dirty="0"/>
-              <a:t>以上</a:t>
-            </a:r>
-            <a:r>
-              <a:rPr lang="en-US" altLang="ja-JP" sz="1000" dirty="0" smtClean="0"/>
-              <a:t>)</a:t>
-            </a:r>
-          </a:p>
-          <a:p>
-            <a:pPr lvl="0" rtl="0">
-              <a:spcBef>
-                <a:spcPts val="0"/>
-              </a:spcBef>
-              <a:buNone/>
-            </a:pPr>
-            <a:r>
-              <a:rPr lang="ja-JP" altLang="en-US" sz="1000" dirty="0" smtClean="0"/>
-              <a:t>・アンケート</a:t>
-            </a:r>
-            <a:r>
-              <a:rPr lang="en-US" altLang="ja-JP" sz="1000" dirty="0" smtClean="0"/>
-              <a:t>to</a:t>
-            </a:r>
-            <a:r>
-              <a:rPr lang="ja-JP" altLang="en-US" sz="1000" dirty="0" smtClean="0"/>
-              <a:t>ユーザ</a:t>
-            </a:r>
-            <a:r>
-              <a:rPr lang="en-US" altLang="ja-JP" sz="1000" dirty="0" smtClean="0"/>
-              <a:t>(</a:t>
-            </a:r>
-            <a:r>
-              <a:rPr lang="ja-JP" altLang="en-US" sz="1000" dirty="0" smtClean="0"/>
-              <a:t>任意</a:t>
-            </a:r>
-            <a:r>
-              <a:rPr lang="en-US" altLang="ja-JP" sz="1000" dirty="0" smtClean="0"/>
-              <a:t>)</a:t>
-            </a:r>
-          </a:p>
-          <a:p>
-            <a:pPr lvl="0" rtl="0">
-              <a:spcBef>
-                <a:spcPts val="0"/>
-              </a:spcBef>
-              <a:buNone/>
-            </a:pPr>
-            <a:r>
-              <a:rPr lang="ja-JP" altLang="en-US" sz="1000" dirty="0"/>
-              <a:t>　</a:t>
-            </a:r>
-            <a:r>
-              <a:rPr lang="ja-JP" altLang="en-US" sz="1000" dirty="0" smtClean="0"/>
-              <a:t>→満足度</a:t>
-            </a:r>
-            <a:r>
-              <a:rPr lang="en-US" altLang="ja-JP" sz="1000" dirty="0" smtClean="0"/>
-              <a:t>(</a:t>
-            </a:r>
-            <a:r>
-              <a:rPr lang="ja-JP" altLang="en-US" sz="1000" dirty="0" smtClean="0"/>
-              <a:t>７０％以上</a:t>
-            </a:r>
-            <a:r>
-              <a:rPr lang="en-US" altLang="ja-JP" sz="1000" dirty="0" smtClean="0"/>
-              <a:t>)</a:t>
-            </a:r>
-            <a:endParaRPr lang="en-US" altLang="ja-JP" sz="1000" dirty="0" smtClean="0"/>
-          </a:p>
-          <a:p>
-            <a:pPr lvl="0" rtl="0">
-              <a:spcBef>
-                <a:spcPts val="0"/>
-              </a:spcBef>
-              <a:buNone/>
-            </a:pPr>
-            <a:r>
-              <a:rPr lang="ja-JP" altLang="en-US" sz="1000" dirty="0" smtClean="0"/>
-              <a:t>・リピート率</a:t>
-            </a:r>
-            <a:endParaRPr lang="en-US" altLang="ja-JP" sz="1000" dirty="0" smtClean="0"/>
-          </a:p>
-          <a:p>
-            <a:pPr lvl="0" rtl="0">
-              <a:spcBef>
-                <a:spcPts val="0"/>
-              </a:spcBef>
-              <a:buNone/>
-            </a:pPr>
-            <a:endParaRPr lang="en-US" altLang="ja" sz="1000" dirty="0"/>
-          </a:p>
-        </p:txBody>
-      </p:sp>
-      <p:sp>
-        <p:nvSpPr>
-          <p:cNvPr id="31" name="Shape 31"/>
-          <p:cNvSpPr txBox="1"/>
-          <p:nvPr/>
-        </p:nvSpPr>
-        <p:spPr>
-          <a:xfrm>
-            <a:off x="5437906" y="2293510"/>
-            <a:ext cx="1764300" cy="2000999"/>
-          </a:xfrm>
-          <a:prstGeom prst="rect">
-            <a:avLst/>
-          </a:prstGeom>
-          <a:noFill/>
-          <a:ln w="9525" cap="flat">
-            <a:solidFill>
-              <a:srgbClr val="000000"/>
-            </a:solidFill>
-            <a:prstDash val="solid"/>
-            <a:round/>
-            <a:headEnd type="none" w="med" len="med"/>
-            <a:tailEnd type="none" w="med" len="med"/>
-          </a:ln>
-        </p:spPr>
-        <p:txBody>
-          <a:bodyPr lIns="91425" tIns="91425" rIns="91425" bIns="91425" anchor="t" anchorCtr="0">
-            <a:noAutofit/>
-          </a:bodyPr>
-          <a:lstStyle/>
-          <a:p>
-            <a:pPr lvl="0" rtl="0">
-              <a:spcBef>
-                <a:spcPts val="0"/>
-              </a:spcBef>
-              <a:buNone/>
-            </a:pPr>
-            <a:r>
-              <a:rPr lang="ja" sz="1000" dirty="0"/>
-              <a:t>5.チャネル</a:t>
-            </a:r>
-          </a:p>
-          <a:p>
-            <a:pPr lvl="0" rtl="0">
-              <a:spcBef>
-                <a:spcPts val="0"/>
-              </a:spcBef>
-              <a:buNone/>
-            </a:pPr>
-            <a:endParaRPr sz="1000" dirty="0"/>
-          </a:p>
-          <a:p>
-            <a:pPr lvl="0" rtl="0">
-              <a:spcBef>
-                <a:spcPts val="0"/>
-              </a:spcBef>
-              <a:buNone/>
-            </a:pPr>
-            <a:r>
-              <a:rPr lang="ja-JP" altLang="en-US" sz="1000" dirty="0" smtClean="0"/>
-              <a:t>・口コミ（そのイベントの参加者）</a:t>
-            </a:r>
-            <a:endParaRPr lang="en-US" altLang="ja-JP" sz="1000" dirty="0" smtClean="0"/>
-          </a:p>
-          <a:p>
-            <a:pPr lvl="0" rtl="0">
-              <a:spcBef>
-                <a:spcPts val="0"/>
-              </a:spcBef>
-              <a:buNone/>
-            </a:pPr>
-            <a:endParaRPr lang="en-US" altLang="ja" sz="1000" dirty="0"/>
-          </a:p>
-          <a:p>
-            <a:pPr lvl="0" rtl="0">
-              <a:spcBef>
-                <a:spcPts val="0"/>
-              </a:spcBef>
-              <a:buNone/>
-            </a:pPr>
-            <a:r>
-              <a:rPr lang="ja-JP" altLang="en-US" sz="1000" dirty="0" smtClean="0"/>
-              <a:t>・スマ婚とかと提携</a:t>
-            </a:r>
-            <a:endParaRPr lang="ja" sz="1000" dirty="0"/>
-          </a:p>
-        </p:txBody>
-      </p:sp>
-      <p:sp>
-        <p:nvSpPr>
-          <p:cNvPr id="32" name="Shape 32"/>
-          <p:cNvSpPr txBox="1"/>
-          <p:nvPr/>
-        </p:nvSpPr>
-        <p:spPr>
-          <a:xfrm>
-            <a:off x="75500" y="41925"/>
-            <a:ext cx="2977800" cy="309899"/>
-          </a:xfrm>
-          <a:prstGeom prst="rect">
-            <a:avLst/>
-          </a:prstGeom>
-          <a:noFill/>
-          <a:ln>
-            <a:noFill/>
-          </a:ln>
-        </p:spPr>
-        <p:txBody>
-          <a:bodyPr lIns="91425" tIns="91425" rIns="91425" bIns="91425" anchor="t" anchorCtr="0">
-            <a:noAutofit/>
-          </a:bodyPr>
-          <a:lstStyle/>
-          <a:p>
-            <a:pPr lvl="0" rtl="0">
-              <a:spcBef>
-                <a:spcPts val="0"/>
-              </a:spcBef>
-              <a:buNone/>
-            </a:pPr>
-            <a:r>
-              <a:rPr lang="ja" sz="1000" u="sng" dirty="0"/>
-              <a:t>タイトル</a:t>
-            </a:r>
-            <a:r>
-              <a:rPr lang="ja" sz="1000" u="sng" dirty="0" smtClean="0"/>
-              <a:t>:</a:t>
-            </a:r>
-            <a:r>
-              <a:rPr lang="en-US" altLang="ja" sz="1000" u="sng" dirty="0" err="1" smtClean="0"/>
-              <a:t>SmaQ</a:t>
-            </a:r>
-            <a:r>
-              <a:rPr lang="en-US" altLang="ja" sz="1000" u="sng" dirty="0" smtClean="0"/>
-              <a:t>(</a:t>
-            </a:r>
-            <a:r>
-              <a:rPr lang="ja-JP" altLang="en-US" sz="1000" u="sng" dirty="0" err="1" smtClean="0"/>
-              <a:t>すま</a:t>
-            </a:r>
-            <a:r>
-              <a:rPr lang="ja-JP" altLang="en-US" sz="1000" u="sng" dirty="0" err="1"/>
-              <a:t>きゅ</a:t>
-            </a:r>
-            <a:r>
-              <a:rPr lang="ja-JP" altLang="en-US" sz="1000" u="sng" dirty="0" smtClean="0"/>
-              <a:t>ー）</a:t>
-            </a:r>
-            <a:endParaRPr lang="ja" sz="1000" u="sng" dirty="0"/>
-          </a:p>
-        </p:txBody>
-      </p:sp>
-    </p:spTree>
-    <p:extLst>
-      <p:ext uri="{BB962C8B-B14F-4D97-AF65-F5344CB8AC3E}">
-        <p14:creationId xmlns:p14="http://schemas.microsoft.com/office/powerpoint/2010/main" val="4119932376"/>
-      </p:ext>
-    </p:extLst>
   </p:cSld>
   <p:clrMapOvr>
     <a:masterClrMapping/>
